--- a/Diagramme/Arrays Mehrdim Extra.pptx
+++ b/Diagramme/Arrays Mehrdim Extra.pptx
@@ -11,6 +11,12 @@
     <p:sldId id="259" r:id="rId5"/>
     <p:sldId id="260" r:id="rId6"/>
     <p:sldId id="261" r:id="rId7"/>
+    <p:sldId id="263" r:id="rId8"/>
+    <p:sldId id="262" r:id="rId9"/>
+    <p:sldId id="264" r:id="rId10"/>
+    <p:sldId id="265" r:id="rId11"/>
+    <p:sldId id="266" r:id="rId12"/>
+    <p:sldId id="267" r:id="rId13"/>
   </p:sldIdLst>
   <p:sldSz cx="12192000" cy="6858000"/>
   <p:notesSz cx="6858000" cy="9144000"/>
@@ -109,6 +115,11 @@
       </a:defRPr>
     </a:lvl9pPr>
   </p:defaultTextStyle>
+  <p:extLst>
+    <p:ext uri="{EFAFB233-063F-42B5-8137-9DF3F51BA10A}">
+      <p15:sldGuideLst xmlns:p15="http://schemas.microsoft.com/office/powerpoint/2012/main"/>
+    </p:ext>
+  </p:extLst>
 </p:presentation>
 </file>
 
@@ -243,7 +254,7 @@
           <a:p>
             <a:fld id="{1D841F59-72EC-4680-B091-BECFE8754CAE}" type="datetimeFigureOut">
               <a:rPr lang="de-DE" smtClean="0"/>
-              <a:t>27.09.2019</a:t>
+              <a:t>30.09.2019</a:t>
             </a:fld>
             <a:endParaRPr lang="de-DE"/>
           </a:p>
@@ -413,7 +424,7 @@
           <a:p>
             <a:fld id="{1D841F59-72EC-4680-B091-BECFE8754CAE}" type="datetimeFigureOut">
               <a:rPr lang="de-DE" smtClean="0"/>
-              <a:t>27.09.2019</a:t>
+              <a:t>30.09.2019</a:t>
             </a:fld>
             <a:endParaRPr lang="de-DE"/>
           </a:p>
@@ -593,7 +604,7 @@
           <a:p>
             <a:fld id="{1D841F59-72EC-4680-B091-BECFE8754CAE}" type="datetimeFigureOut">
               <a:rPr lang="de-DE" smtClean="0"/>
-              <a:t>27.09.2019</a:t>
+              <a:t>30.09.2019</a:t>
             </a:fld>
             <a:endParaRPr lang="de-DE"/>
           </a:p>
@@ -763,7 +774,7 @@
           <a:p>
             <a:fld id="{1D841F59-72EC-4680-B091-BECFE8754CAE}" type="datetimeFigureOut">
               <a:rPr lang="de-DE" smtClean="0"/>
-              <a:t>27.09.2019</a:t>
+              <a:t>30.09.2019</a:t>
             </a:fld>
             <a:endParaRPr lang="de-DE"/>
           </a:p>
@@ -1009,7 +1020,7 @@
           <a:p>
             <a:fld id="{1D841F59-72EC-4680-B091-BECFE8754CAE}" type="datetimeFigureOut">
               <a:rPr lang="de-DE" smtClean="0"/>
-              <a:t>27.09.2019</a:t>
+              <a:t>30.09.2019</a:t>
             </a:fld>
             <a:endParaRPr lang="de-DE"/>
           </a:p>
@@ -1241,7 +1252,7 @@
           <a:p>
             <a:fld id="{1D841F59-72EC-4680-B091-BECFE8754CAE}" type="datetimeFigureOut">
               <a:rPr lang="de-DE" smtClean="0"/>
-              <a:t>27.09.2019</a:t>
+              <a:t>30.09.2019</a:t>
             </a:fld>
             <a:endParaRPr lang="de-DE"/>
           </a:p>
@@ -1608,7 +1619,7 @@
           <a:p>
             <a:fld id="{1D841F59-72EC-4680-B091-BECFE8754CAE}" type="datetimeFigureOut">
               <a:rPr lang="de-DE" smtClean="0"/>
-              <a:t>27.09.2019</a:t>
+              <a:t>30.09.2019</a:t>
             </a:fld>
             <a:endParaRPr lang="de-DE"/>
           </a:p>
@@ -1726,7 +1737,7 @@
           <a:p>
             <a:fld id="{1D841F59-72EC-4680-B091-BECFE8754CAE}" type="datetimeFigureOut">
               <a:rPr lang="de-DE" smtClean="0"/>
-              <a:t>27.09.2019</a:t>
+              <a:t>30.09.2019</a:t>
             </a:fld>
             <a:endParaRPr lang="de-DE"/>
           </a:p>
@@ -1821,7 +1832,7 @@
           <a:p>
             <a:fld id="{1D841F59-72EC-4680-B091-BECFE8754CAE}" type="datetimeFigureOut">
               <a:rPr lang="de-DE" smtClean="0"/>
-              <a:t>27.09.2019</a:t>
+              <a:t>30.09.2019</a:t>
             </a:fld>
             <a:endParaRPr lang="de-DE"/>
           </a:p>
@@ -2098,7 +2109,7 @@
           <a:p>
             <a:fld id="{1D841F59-72EC-4680-B091-BECFE8754CAE}" type="datetimeFigureOut">
               <a:rPr lang="de-DE" smtClean="0"/>
-              <a:t>27.09.2019</a:t>
+              <a:t>30.09.2019</a:t>
             </a:fld>
             <a:endParaRPr lang="de-DE"/>
           </a:p>
@@ -2351,7 +2362,7 @@
           <a:p>
             <a:fld id="{1D841F59-72EC-4680-B091-BECFE8754CAE}" type="datetimeFigureOut">
               <a:rPr lang="de-DE" smtClean="0"/>
-              <a:t>27.09.2019</a:t>
+              <a:t>30.09.2019</a:t>
             </a:fld>
             <a:endParaRPr lang="de-DE"/>
           </a:p>
@@ -2564,7 +2575,7 @@
           <a:p>
             <a:fld id="{1D841F59-72EC-4680-B091-BECFE8754CAE}" type="datetimeFigureOut">
               <a:rPr lang="de-DE" smtClean="0"/>
-              <a:t>27.09.2019</a:t>
+              <a:t>30.09.2019</a:t>
             </a:fld>
             <a:endParaRPr lang="de-DE"/>
           </a:p>
@@ -3287,6 +3298,3364 @@
 </p:sld>
 </file>
 
+<file path=ppt/slides/slide10.xml><?xml version="1.0" encoding="utf-8"?>
+<p:sld xmlns:a="http://schemas.openxmlformats.org/drawingml/2006/main" xmlns:r="http://schemas.openxmlformats.org/officeDocument/2006/relationships" xmlns:p="http://schemas.openxmlformats.org/presentationml/2006/main">
+  <p:cSld>
+    <p:spTree>
+      <p:nvGrpSpPr>
+        <p:cNvPr id="1" name=""/>
+        <p:cNvGrpSpPr/>
+        <p:nvPr/>
+      </p:nvGrpSpPr>
+      <p:grpSpPr>
+        <a:xfrm>
+          <a:off x="0" y="0"/>
+          <a:ext cx="0" cy="0"/>
+          <a:chOff x="0" y="0"/>
+          <a:chExt cx="0" cy="0"/>
+        </a:xfrm>
+      </p:grpSpPr>
+      <p:cxnSp>
+        <p:nvCxnSpPr>
+          <p:cNvPr id="5" name="Gerader Verbinder 4"/>
+          <p:cNvCxnSpPr/>
+          <p:nvPr/>
+        </p:nvCxnSpPr>
+        <p:spPr>
+          <a:xfrm>
+            <a:off x="2648197" y="380010"/>
+            <a:ext cx="59377" cy="6258296"/>
+          </a:xfrm>
+          <a:prstGeom prst="line">
+            <a:avLst/>
+          </a:prstGeom>
+        </p:spPr>
+        <p:style>
+          <a:lnRef idx="1">
+            <a:schemeClr val="accent1"/>
+          </a:lnRef>
+          <a:fillRef idx="0">
+            <a:schemeClr val="accent1"/>
+          </a:fillRef>
+          <a:effectRef idx="0">
+            <a:schemeClr val="accent1"/>
+          </a:effectRef>
+          <a:fontRef idx="minor">
+            <a:schemeClr val="tx1"/>
+          </a:fontRef>
+        </p:style>
+      </p:cxnSp>
+      <p:sp>
+        <p:nvSpPr>
+          <p:cNvPr id="6" name="Textfeld 5"/>
+          <p:cNvSpPr txBox="1"/>
+          <p:nvPr/>
+        </p:nvSpPr>
+        <p:spPr>
+          <a:xfrm>
+            <a:off x="8098971" y="380010"/>
+            <a:ext cx="3812454" cy="4247317"/>
+          </a:xfrm>
+          <a:prstGeom prst="rect">
+            <a:avLst/>
+          </a:prstGeom>
+          <a:noFill/>
+        </p:spPr>
+        <p:txBody>
+          <a:bodyPr wrap="none" rtlCol="0">
+            <a:spAutoFit/>
+          </a:bodyPr>
+          <a:lstStyle/>
+          <a:p>
+            <a:r>
+              <a:rPr lang="sv-SE" smtClean="0"/>
+              <a:t>char[][] room;</a:t>
+            </a:r>
+          </a:p>
+          <a:p>
+            <a:endParaRPr lang="sv-SE"/>
+          </a:p>
+          <a:p>
+            <a:r>
+              <a:rPr lang="sv-SE" smtClean="0"/>
+              <a:t>char</a:t>
+            </a:r>
+            <a:r>
+              <a:rPr lang="sv-SE"/>
+              <a:t>[] tom = { 't', 'o', 'm' };</a:t>
+            </a:r>
+          </a:p>
+          <a:p>
+            <a:endParaRPr lang="de-DE"/>
+          </a:p>
+          <a:p>
+            <a:r>
+              <a:rPr lang="de-DE"/>
+              <a:t>char[] paul = { 'p', 'a', 'u', 'l</a:t>
+            </a:r>
+            <a:r>
+              <a:rPr lang="de-DE"/>
+              <a:t>' </a:t>
+            </a:r>
+            <a:r>
+              <a:rPr lang="de-DE" smtClean="0"/>
+              <a:t>};</a:t>
+            </a:r>
+          </a:p>
+          <a:p>
+            <a:endParaRPr lang="de-DE"/>
+          </a:p>
+          <a:p>
+            <a:r>
+              <a:rPr lang="en-US"/>
+              <a:t>room = new char[][] { tom, null, </a:t>
+            </a:r>
+            <a:r>
+              <a:rPr lang="en-US"/>
+              <a:t>null </a:t>
+            </a:r>
+            <a:r>
+              <a:rPr lang="en-US" smtClean="0"/>
+              <a:t>};</a:t>
+            </a:r>
+          </a:p>
+          <a:p>
+            <a:endParaRPr lang="en-US"/>
+          </a:p>
+          <a:p>
+            <a:r>
+              <a:rPr lang="de-DE" b="1"/>
+              <a:t>room[1] = paul;</a:t>
+            </a:r>
+          </a:p>
+          <a:p>
+            <a:r>
+              <a:rPr lang="de-DE"/>
+              <a:t>room[2] = </a:t>
+            </a:r>
+            <a:r>
+              <a:rPr lang="de-DE"/>
+              <a:t>tom</a:t>
+            </a:r>
+            <a:r>
+              <a:rPr lang="de-DE" smtClean="0"/>
+              <a:t>;</a:t>
+            </a:r>
+          </a:p>
+          <a:p>
+            <a:endParaRPr lang="de-DE"/>
+          </a:p>
+          <a:p>
+            <a:r>
+              <a:rPr lang="de-DE"/>
+              <a:t>room[0][2] = </a:t>
+            </a:r>
+            <a:r>
+              <a:rPr lang="de-DE"/>
+              <a:t>'R</a:t>
+            </a:r>
+            <a:r>
+              <a:rPr lang="de-DE" smtClean="0"/>
+              <a:t>';</a:t>
+            </a:r>
+          </a:p>
+          <a:p>
+            <a:endParaRPr lang="de-DE"/>
+          </a:p>
+          <a:p>
+            <a:r>
+              <a:rPr lang="de-DE"/>
+              <a:t>System.out.println(room[2][2]);</a:t>
+            </a:r>
+            <a:endParaRPr lang="de-DE"/>
+          </a:p>
+          <a:p>
+            <a:endParaRPr lang="de-DE"/>
+          </a:p>
+        </p:txBody>
+      </p:sp>
+      <p:sp>
+        <p:nvSpPr>
+          <p:cNvPr id="7" name="Textfeld 6"/>
+          <p:cNvSpPr txBox="1"/>
+          <p:nvPr/>
+        </p:nvSpPr>
+        <p:spPr>
+          <a:xfrm>
+            <a:off x="795647" y="5314807"/>
+            <a:ext cx="565539" cy="369332"/>
+          </a:xfrm>
+          <a:prstGeom prst="rect">
+            <a:avLst/>
+          </a:prstGeom>
+          <a:noFill/>
+        </p:spPr>
+        <p:txBody>
+          <a:bodyPr wrap="none" rtlCol="0">
+            <a:spAutoFit/>
+          </a:bodyPr>
+          <a:lstStyle/>
+          <a:p>
+            <a:r>
+              <a:rPr lang="de-DE" smtClean="0"/>
+              <a:t>tom</a:t>
+            </a:r>
+            <a:endParaRPr lang="de-DE"/>
+          </a:p>
+        </p:txBody>
+      </p:sp>
+      <p:sp>
+        <p:nvSpPr>
+          <p:cNvPr id="8" name="Rechteck 7"/>
+          <p:cNvSpPr/>
+          <p:nvPr/>
+        </p:nvSpPr>
+        <p:spPr>
+          <a:xfrm>
+            <a:off x="6662056" y="5368844"/>
+            <a:ext cx="807522" cy="1009403"/>
+          </a:xfrm>
+          <a:prstGeom prst="rect">
+            <a:avLst/>
+          </a:prstGeom>
+        </p:spPr>
+        <p:style>
+          <a:lnRef idx="2">
+            <a:schemeClr val="accent1">
+              <a:shade val="50000"/>
+            </a:schemeClr>
+          </a:lnRef>
+          <a:fillRef idx="1">
+            <a:schemeClr val="accent1"/>
+          </a:fillRef>
+          <a:effectRef idx="0">
+            <a:schemeClr val="accent1"/>
+          </a:effectRef>
+          <a:fontRef idx="minor">
+            <a:schemeClr val="lt1"/>
+          </a:fontRef>
+        </p:style>
+        <p:txBody>
+          <a:bodyPr rtlCol="0" anchor="ctr"/>
+          <a:lstStyle/>
+          <a:p>
+            <a:pPr algn="ctr"/>
+            <a:endParaRPr lang="de-DE"/>
+          </a:p>
+        </p:txBody>
+      </p:sp>
+      <p:sp>
+        <p:nvSpPr>
+          <p:cNvPr id="9" name="Rechteck 8"/>
+          <p:cNvSpPr/>
+          <p:nvPr/>
+        </p:nvSpPr>
+        <p:spPr>
+          <a:xfrm>
+            <a:off x="6768934" y="5499473"/>
+            <a:ext cx="641267" cy="249381"/>
+          </a:xfrm>
+          <a:prstGeom prst="rect">
+            <a:avLst/>
+          </a:prstGeom>
+        </p:spPr>
+        <p:style>
+          <a:lnRef idx="2">
+            <a:schemeClr val="accent1">
+              <a:shade val="50000"/>
+            </a:schemeClr>
+          </a:lnRef>
+          <a:fillRef idx="1">
+            <a:schemeClr val="accent1"/>
+          </a:fillRef>
+          <a:effectRef idx="0">
+            <a:schemeClr val="accent1"/>
+          </a:effectRef>
+          <a:fontRef idx="minor">
+            <a:schemeClr val="lt1"/>
+          </a:fontRef>
+        </p:style>
+        <p:txBody>
+          <a:bodyPr rtlCol="0" anchor="ctr"/>
+          <a:lstStyle/>
+          <a:p>
+            <a:pPr algn="ctr"/>
+            <a:r>
+              <a:rPr lang="de-DE" smtClean="0"/>
+              <a:t>t</a:t>
+            </a:r>
+            <a:endParaRPr lang="de-DE"/>
+          </a:p>
+        </p:txBody>
+      </p:sp>
+      <p:sp>
+        <p:nvSpPr>
+          <p:cNvPr id="10" name="Rechteck 9"/>
+          <p:cNvSpPr/>
+          <p:nvPr/>
+        </p:nvSpPr>
+        <p:spPr>
+          <a:xfrm>
+            <a:off x="6768933" y="5758061"/>
+            <a:ext cx="641267" cy="249381"/>
+          </a:xfrm>
+          <a:prstGeom prst="rect">
+            <a:avLst/>
+          </a:prstGeom>
+        </p:spPr>
+        <p:style>
+          <a:lnRef idx="2">
+            <a:schemeClr val="accent1">
+              <a:shade val="50000"/>
+            </a:schemeClr>
+          </a:lnRef>
+          <a:fillRef idx="1">
+            <a:schemeClr val="accent1"/>
+          </a:fillRef>
+          <a:effectRef idx="0">
+            <a:schemeClr val="accent1"/>
+          </a:effectRef>
+          <a:fontRef idx="minor">
+            <a:schemeClr val="lt1"/>
+          </a:fontRef>
+        </p:style>
+        <p:txBody>
+          <a:bodyPr rtlCol="0" anchor="ctr"/>
+          <a:lstStyle/>
+          <a:p>
+            <a:pPr algn="ctr"/>
+            <a:r>
+              <a:rPr lang="de-DE"/>
+              <a:t>o</a:t>
+            </a:r>
+          </a:p>
+        </p:txBody>
+      </p:sp>
+      <p:sp>
+        <p:nvSpPr>
+          <p:cNvPr id="11" name="Rechteck 10"/>
+          <p:cNvSpPr/>
+          <p:nvPr/>
+        </p:nvSpPr>
+        <p:spPr>
+          <a:xfrm>
+            <a:off x="6762998" y="5969147"/>
+            <a:ext cx="641267" cy="249381"/>
+          </a:xfrm>
+          <a:prstGeom prst="rect">
+            <a:avLst/>
+          </a:prstGeom>
+        </p:spPr>
+        <p:style>
+          <a:lnRef idx="2">
+            <a:schemeClr val="accent1">
+              <a:shade val="50000"/>
+            </a:schemeClr>
+          </a:lnRef>
+          <a:fillRef idx="1">
+            <a:schemeClr val="accent1"/>
+          </a:fillRef>
+          <a:effectRef idx="0">
+            <a:schemeClr val="accent1"/>
+          </a:effectRef>
+          <a:fontRef idx="minor">
+            <a:schemeClr val="lt1"/>
+          </a:fontRef>
+        </p:style>
+        <p:txBody>
+          <a:bodyPr rtlCol="0" anchor="ctr"/>
+          <a:lstStyle/>
+          <a:p>
+            <a:pPr algn="ctr"/>
+            <a:r>
+              <a:rPr lang="de-DE" smtClean="0"/>
+              <a:t>m</a:t>
+            </a:r>
+            <a:endParaRPr lang="de-DE"/>
+          </a:p>
+        </p:txBody>
+      </p:sp>
+      <p:sp>
+        <p:nvSpPr>
+          <p:cNvPr id="12" name="Textfeld 11"/>
+          <p:cNvSpPr txBox="1"/>
+          <p:nvPr/>
+        </p:nvSpPr>
+        <p:spPr>
+          <a:xfrm>
+            <a:off x="7469578" y="5095712"/>
+            <a:ext cx="736099" cy="369332"/>
+          </a:xfrm>
+          <a:prstGeom prst="rect">
+            <a:avLst/>
+          </a:prstGeom>
+          <a:noFill/>
+        </p:spPr>
+        <p:txBody>
+          <a:bodyPr wrap="none" rtlCol="0">
+            <a:spAutoFit/>
+          </a:bodyPr>
+          <a:lstStyle/>
+          <a:p>
+            <a:r>
+              <a:rPr lang="de-DE" smtClean="0"/>
+              <a:t>char[]</a:t>
+            </a:r>
+            <a:endParaRPr lang="de-DE"/>
+          </a:p>
+        </p:txBody>
+      </p:sp>
+      <p:sp>
+        <p:nvSpPr>
+          <p:cNvPr id="13" name="Textfeld 12"/>
+          <p:cNvSpPr txBox="1"/>
+          <p:nvPr/>
+        </p:nvSpPr>
+        <p:spPr>
+          <a:xfrm>
+            <a:off x="795647" y="6175169"/>
+            <a:ext cx="689099" cy="369332"/>
+          </a:xfrm>
+          <a:prstGeom prst="rect">
+            <a:avLst/>
+          </a:prstGeom>
+          <a:noFill/>
+        </p:spPr>
+        <p:txBody>
+          <a:bodyPr wrap="none" rtlCol="0">
+            <a:spAutoFit/>
+          </a:bodyPr>
+          <a:lstStyle/>
+          <a:p>
+            <a:r>
+              <a:rPr lang="de-DE" smtClean="0"/>
+              <a:t>room</a:t>
+            </a:r>
+            <a:endParaRPr lang="de-DE"/>
+          </a:p>
+        </p:txBody>
+      </p:sp>
+      <p:cxnSp>
+        <p:nvCxnSpPr>
+          <p:cNvPr id="15" name="Gerade Verbindung mit Pfeil 14"/>
+          <p:cNvCxnSpPr>
+            <a:stCxn id="7" idx="3"/>
+            <a:endCxn id="8" idx="1"/>
+          </p:cNvCxnSpPr>
+          <p:nvPr/>
+        </p:nvCxnSpPr>
+        <p:spPr>
+          <a:xfrm>
+            <a:off x="1361186" y="5499473"/>
+            <a:ext cx="5300870" cy="374073"/>
+          </a:xfrm>
+          <a:prstGeom prst="straightConnector1">
+            <a:avLst/>
+          </a:prstGeom>
+          <a:ln>
+            <a:tailEnd type="triangle"/>
+          </a:ln>
+        </p:spPr>
+        <p:style>
+          <a:lnRef idx="1">
+            <a:schemeClr val="accent1"/>
+          </a:lnRef>
+          <a:fillRef idx="0">
+            <a:schemeClr val="accent1"/>
+          </a:fillRef>
+          <a:effectRef idx="0">
+            <a:schemeClr val="accent1"/>
+          </a:effectRef>
+          <a:fontRef idx="minor">
+            <a:schemeClr val="tx1"/>
+          </a:fontRef>
+        </p:style>
+      </p:cxnSp>
+      <p:sp>
+        <p:nvSpPr>
+          <p:cNvPr id="17" name="Rechteck 16"/>
+          <p:cNvSpPr/>
+          <p:nvPr/>
+        </p:nvSpPr>
+        <p:spPr>
+          <a:xfrm>
+            <a:off x="6460176" y="3112533"/>
+            <a:ext cx="807522" cy="1221961"/>
+          </a:xfrm>
+          <a:prstGeom prst="rect">
+            <a:avLst/>
+          </a:prstGeom>
+        </p:spPr>
+        <p:style>
+          <a:lnRef idx="2">
+            <a:schemeClr val="accent1">
+              <a:shade val="50000"/>
+            </a:schemeClr>
+          </a:lnRef>
+          <a:fillRef idx="1">
+            <a:schemeClr val="accent1"/>
+          </a:fillRef>
+          <a:effectRef idx="0">
+            <a:schemeClr val="accent1"/>
+          </a:effectRef>
+          <a:fontRef idx="minor">
+            <a:schemeClr val="lt1"/>
+          </a:fontRef>
+        </p:style>
+        <p:txBody>
+          <a:bodyPr rtlCol="0" anchor="ctr"/>
+          <a:lstStyle/>
+          <a:p>
+            <a:pPr algn="ctr"/>
+            <a:endParaRPr lang="de-DE"/>
+          </a:p>
+        </p:txBody>
+      </p:sp>
+      <p:sp>
+        <p:nvSpPr>
+          <p:cNvPr id="18" name="Rechteck 17"/>
+          <p:cNvSpPr/>
+          <p:nvPr/>
+        </p:nvSpPr>
+        <p:spPr>
+          <a:xfrm>
+            <a:off x="6567054" y="3243162"/>
+            <a:ext cx="641267" cy="249381"/>
+          </a:xfrm>
+          <a:prstGeom prst="rect">
+            <a:avLst/>
+          </a:prstGeom>
+        </p:spPr>
+        <p:style>
+          <a:lnRef idx="2">
+            <a:schemeClr val="accent1">
+              <a:shade val="50000"/>
+            </a:schemeClr>
+          </a:lnRef>
+          <a:fillRef idx="1">
+            <a:schemeClr val="accent1"/>
+          </a:fillRef>
+          <a:effectRef idx="0">
+            <a:schemeClr val="accent1"/>
+          </a:effectRef>
+          <a:fontRef idx="minor">
+            <a:schemeClr val="lt1"/>
+          </a:fontRef>
+        </p:style>
+        <p:txBody>
+          <a:bodyPr rtlCol="0" anchor="ctr"/>
+          <a:lstStyle/>
+          <a:p>
+            <a:pPr algn="ctr"/>
+            <a:r>
+              <a:rPr lang="de-DE" smtClean="0"/>
+              <a:t>p</a:t>
+            </a:r>
+            <a:endParaRPr lang="de-DE"/>
+          </a:p>
+        </p:txBody>
+      </p:sp>
+      <p:sp>
+        <p:nvSpPr>
+          <p:cNvPr id="19" name="Rechteck 18"/>
+          <p:cNvSpPr/>
+          <p:nvPr/>
+        </p:nvSpPr>
+        <p:spPr>
+          <a:xfrm>
+            <a:off x="6567053" y="3501750"/>
+            <a:ext cx="641267" cy="249381"/>
+          </a:xfrm>
+          <a:prstGeom prst="rect">
+            <a:avLst/>
+          </a:prstGeom>
+        </p:spPr>
+        <p:style>
+          <a:lnRef idx="2">
+            <a:schemeClr val="accent1">
+              <a:shade val="50000"/>
+            </a:schemeClr>
+          </a:lnRef>
+          <a:fillRef idx="1">
+            <a:schemeClr val="accent1"/>
+          </a:fillRef>
+          <a:effectRef idx="0">
+            <a:schemeClr val="accent1"/>
+          </a:effectRef>
+          <a:fontRef idx="minor">
+            <a:schemeClr val="lt1"/>
+          </a:fontRef>
+        </p:style>
+        <p:txBody>
+          <a:bodyPr rtlCol="0" anchor="ctr"/>
+          <a:lstStyle/>
+          <a:p>
+            <a:pPr algn="ctr"/>
+            <a:r>
+              <a:rPr lang="de-DE" smtClean="0"/>
+              <a:t>a</a:t>
+            </a:r>
+            <a:endParaRPr lang="de-DE"/>
+          </a:p>
+        </p:txBody>
+      </p:sp>
+      <p:sp>
+        <p:nvSpPr>
+          <p:cNvPr id="20" name="Rechteck 19"/>
+          <p:cNvSpPr/>
+          <p:nvPr/>
+        </p:nvSpPr>
+        <p:spPr>
+          <a:xfrm>
+            <a:off x="6561118" y="3712836"/>
+            <a:ext cx="641267" cy="249381"/>
+          </a:xfrm>
+          <a:prstGeom prst="rect">
+            <a:avLst/>
+          </a:prstGeom>
+        </p:spPr>
+        <p:style>
+          <a:lnRef idx="2">
+            <a:schemeClr val="accent1">
+              <a:shade val="50000"/>
+            </a:schemeClr>
+          </a:lnRef>
+          <a:fillRef idx="1">
+            <a:schemeClr val="accent1"/>
+          </a:fillRef>
+          <a:effectRef idx="0">
+            <a:schemeClr val="accent1"/>
+          </a:effectRef>
+          <a:fontRef idx="minor">
+            <a:schemeClr val="lt1"/>
+          </a:fontRef>
+        </p:style>
+        <p:txBody>
+          <a:bodyPr rtlCol="0" anchor="ctr"/>
+          <a:lstStyle/>
+          <a:p>
+            <a:pPr algn="ctr"/>
+            <a:r>
+              <a:rPr lang="de-DE"/>
+              <a:t>u</a:t>
+            </a:r>
+          </a:p>
+        </p:txBody>
+      </p:sp>
+      <p:sp>
+        <p:nvSpPr>
+          <p:cNvPr id="21" name="Textfeld 20"/>
+          <p:cNvSpPr txBox="1"/>
+          <p:nvPr/>
+        </p:nvSpPr>
+        <p:spPr>
+          <a:xfrm>
+            <a:off x="7267698" y="2839401"/>
+            <a:ext cx="736099" cy="369332"/>
+          </a:xfrm>
+          <a:prstGeom prst="rect">
+            <a:avLst/>
+          </a:prstGeom>
+          <a:noFill/>
+        </p:spPr>
+        <p:txBody>
+          <a:bodyPr wrap="none" rtlCol="0">
+            <a:spAutoFit/>
+          </a:bodyPr>
+          <a:lstStyle/>
+          <a:p>
+            <a:r>
+              <a:rPr lang="de-DE" smtClean="0"/>
+              <a:t>char[]</a:t>
+            </a:r>
+            <a:endParaRPr lang="de-DE"/>
+          </a:p>
+        </p:txBody>
+      </p:sp>
+      <p:sp>
+        <p:nvSpPr>
+          <p:cNvPr id="22" name="Rechteck 21"/>
+          <p:cNvSpPr/>
+          <p:nvPr/>
+        </p:nvSpPr>
+        <p:spPr>
+          <a:xfrm>
+            <a:off x="6561118" y="3935797"/>
+            <a:ext cx="641267" cy="249381"/>
+          </a:xfrm>
+          <a:prstGeom prst="rect">
+            <a:avLst/>
+          </a:prstGeom>
+        </p:spPr>
+        <p:style>
+          <a:lnRef idx="2">
+            <a:schemeClr val="accent1">
+              <a:shade val="50000"/>
+            </a:schemeClr>
+          </a:lnRef>
+          <a:fillRef idx="1">
+            <a:schemeClr val="accent1"/>
+          </a:fillRef>
+          <a:effectRef idx="0">
+            <a:schemeClr val="accent1"/>
+          </a:effectRef>
+          <a:fontRef idx="minor">
+            <a:schemeClr val="lt1"/>
+          </a:fontRef>
+        </p:style>
+        <p:txBody>
+          <a:bodyPr rtlCol="0" anchor="ctr"/>
+          <a:lstStyle/>
+          <a:p>
+            <a:pPr algn="ctr"/>
+            <a:r>
+              <a:rPr lang="de-DE"/>
+              <a:t>l</a:t>
+            </a:r>
+          </a:p>
+        </p:txBody>
+      </p:sp>
+      <p:sp>
+        <p:nvSpPr>
+          <p:cNvPr id="24" name="Textfeld 23"/>
+          <p:cNvSpPr txBox="1"/>
+          <p:nvPr/>
+        </p:nvSpPr>
+        <p:spPr>
+          <a:xfrm>
+            <a:off x="778612" y="4185178"/>
+            <a:ext cx="591829" cy="369332"/>
+          </a:xfrm>
+          <a:prstGeom prst="rect">
+            <a:avLst/>
+          </a:prstGeom>
+          <a:noFill/>
+        </p:spPr>
+        <p:txBody>
+          <a:bodyPr wrap="none" rtlCol="0">
+            <a:spAutoFit/>
+          </a:bodyPr>
+          <a:lstStyle/>
+          <a:p>
+            <a:r>
+              <a:rPr lang="de-DE" smtClean="0"/>
+              <a:t>paul</a:t>
+            </a:r>
+            <a:endParaRPr lang="de-DE"/>
+          </a:p>
+        </p:txBody>
+      </p:sp>
+      <p:cxnSp>
+        <p:nvCxnSpPr>
+          <p:cNvPr id="25" name="Gerade Verbindung mit Pfeil 24"/>
+          <p:cNvCxnSpPr>
+            <a:stCxn id="24" idx="3"/>
+            <a:endCxn id="17" idx="1"/>
+          </p:cNvCxnSpPr>
+          <p:nvPr/>
+        </p:nvCxnSpPr>
+        <p:spPr>
+          <a:xfrm flipV="1">
+            <a:off x="1370441" y="3723514"/>
+            <a:ext cx="5089735" cy="646330"/>
+          </a:xfrm>
+          <a:prstGeom prst="straightConnector1">
+            <a:avLst/>
+          </a:prstGeom>
+          <a:ln>
+            <a:tailEnd type="triangle"/>
+          </a:ln>
+        </p:spPr>
+        <p:style>
+          <a:lnRef idx="1">
+            <a:schemeClr val="accent1"/>
+          </a:lnRef>
+          <a:fillRef idx="0">
+            <a:schemeClr val="accent1"/>
+          </a:fillRef>
+          <a:effectRef idx="0">
+            <a:schemeClr val="accent1"/>
+          </a:effectRef>
+          <a:fontRef idx="minor">
+            <a:schemeClr val="tx1"/>
+          </a:fontRef>
+        </p:style>
+      </p:cxnSp>
+      <p:sp>
+        <p:nvSpPr>
+          <p:cNvPr id="23" name="Rechteck 22"/>
+          <p:cNvSpPr/>
+          <p:nvPr/>
+        </p:nvSpPr>
+        <p:spPr>
+          <a:xfrm>
+            <a:off x="3467681" y="4403674"/>
+            <a:ext cx="807522" cy="1009403"/>
+          </a:xfrm>
+          <a:prstGeom prst="rect">
+            <a:avLst/>
+          </a:prstGeom>
+        </p:spPr>
+        <p:style>
+          <a:lnRef idx="2">
+            <a:schemeClr val="accent1">
+              <a:shade val="50000"/>
+            </a:schemeClr>
+          </a:lnRef>
+          <a:fillRef idx="1">
+            <a:schemeClr val="accent1"/>
+          </a:fillRef>
+          <a:effectRef idx="0">
+            <a:schemeClr val="accent1"/>
+          </a:effectRef>
+          <a:fontRef idx="minor">
+            <a:schemeClr val="lt1"/>
+          </a:fontRef>
+        </p:style>
+        <p:txBody>
+          <a:bodyPr rtlCol="0" anchor="ctr"/>
+          <a:lstStyle/>
+          <a:p>
+            <a:pPr algn="ctr"/>
+            <a:endParaRPr lang="de-DE"/>
+          </a:p>
+        </p:txBody>
+      </p:sp>
+      <p:sp>
+        <p:nvSpPr>
+          <p:cNvPr id="26" name="Rechteck 25"/>
+          <p:cNvSpPr/>
+          <p:nvPr/>
+        </p:nvSpPr>
+        <p:spPr>
+          <a:xfrm>
+            <a:off x="3574559" y="4534303"/>
+            <a:ext cx="641267" cy="249381"/>
+          </a:xfrm>
+          <a:prstGeom prst="rect">
+            <a:avLst/>
+          </a:prstGeom>
+        </p:spPr>
+        <p:style>
+          <a:lnRef idx="2">
+            <a:schemeClr val="accent1">
+              <a:shade val="50000"/>
+            </a:schemeClr>
+          </a:lnRef>
+          <a:fillRef idx="1">
+            <a:schemeClr val="accent1"/>
+          </a:fillRef>
+          <a:effectRef idx="0">
+            <a:schemeClr val="accent1"/>
+          </a:effectRef>
+          <a:fontRef idx="minor">
+            <a:schemeClr val="lt1"/>
+          </a:fontRef>
+        </p:style>
+        <p:txBody>
+          <a:bodyPr rtlCol="0" anchor="ctr"/>
+          <a:lstStyle/>
+          <a:p>
+            <a:pPr algn="ctr"/>
+            <a:endParaRPr lang="de-DE"/>
+          </a:p>
+        </p:txBody>
+      </p:sp>
+      <p:sp>
+        <p:nvSpPr>
+          <p:cNvPr id="27" name="Rechteck 26"/>
+          <p:cNvSpPr/>
+          <p:nvPr/>
+        </p:nvSpPr>
+        <p:spPr>
+          <a:xfrm>
+            <a:off x="3574558" y="4792891"/>
+            <a:ext cx="641267" cy="249381"/>
+          </a:xfrm>
+          <a:prstGeom prst="rect">
+            <a:avLst/>
+          </a:prstGeom>
+        </p:spPr>
+        <p:style>
+          <a:lnRef idx="2">
+            <a:schemeClr val="accent1">
+              <a:shade val="50000"/>
+            </a:schemeClr>
+          </a:lnRef>
+          <a:fillRef idx="1">
+            <a:schemeClr val="accent1"/>
+          </a:fillRef>
+          <a:effectRef idx="0">
+            <a:schemeClr val="accent1"/>
+          </a:effectRef>
+          <a:fontRef idx="minor">
+            <a:schemeClr val="lt1"/>
+          </a:fontRef>
+        </p:style>
+        <p:txBody>
+          <a:bodyPr rtlCol="0" anchor="ctr"/>
+          <a:lstStyle/>
+          <a:p>
+            <a:pPr algn="ctr"/>
+            <a:endParaRPr lang="de-DE"/>
+          </a:p>
+        </p:txBody>
+      </p:sp>
+      <p:sp>
+        <p:nvSpPr>
+          <p:cNvPr id="28" name="Rechteck 27"/>
+          <p:cNvSpPr/>
+          <p:nvPr/>
+        </p:nvSpPr>
+        <p:spPr>
+          <a:xfrm>
+            <a:off x="3568623" y="5003977"/>
+            <a:ext cx="641267" cy="249381"/>
+          </a:xfrm>
+          <a:prstGeom prst="rect">
+            <a:avLst/>
+          </a:prstGeom>
+        </p:spPr>
+        <p:style>
+          <a:lnRef idx="2">
+            <a:schemeClr val="accent1">
+              <a:shade val="50000"/>
+            </a:schemeClr>
+          </a:lnRef>
+          <a:fillRef idx="1">
+            <a:schemeClr val="accent1"/>
+          </a:fillRef>
+          <a:effectRef idx="0">
+            <a:schemeClr val="accent1"/>
+          </a:effectRef>
+          <a:fontRef idx="minor">
+            <a:schemeClr val="lt1"/>
+          </a:fontRef>
+        </p:style>
+        <p:txBody>
+          <a:bodyPr rtlCol="0" anchor="ctr"/>
+          <a:lstStyle/>
+          <a:p>
+            <a:pPr algn="ctr"/>
+            <a:r>
+              <a:rPr lang="de-DE" smtClean="0"/>
+              <a:t>null</a:t>
+            </a:r>
+            <a:endParaRPr lang="de-DE"/>
+          </a:p>
+        </p:txBody>
+      </p:sp>
+      <p:sp>
+        <p:nvSpPr>
+          <p:cNvPr id="29" name="Textfeld 28"/>
+          <p:cNvSpPr txBox="1"/>
+          <p:nvPr/>
+        </p:nvSpPr>
+        <p:spPr>
+          <a:xfrm>
+            <a:off x="4275203" y="4130542"/>
+            <a:ext cx="877163" cy="369332"/>
+          </a:xfrm>
+          <a:prstGeom prst="rect">
+            <a:avLst/>
+          </a:prstGeom>
+          <a:noFill/>
+        </p:spPr>
+        <p:txBody>
+          <a:bodyPr wrap="none" rtlCol="0">
+            <a:spAutoFit/>
+          </a:bodyPr>
+          <a:lstStyle/>
+          <a:p>
+            <a:r>
+              <a:rPr lang="de-DE" smtClean="0"/>
+              <a:t>char[][]</a:t>
+            </a:r>
+            <a:endParaRPr lang="de-DE"/>
+          </a:p>
+        </p:txBody>
+      </p:sp>
+      <p:cxnSp>
+        <p:nvCxnSpPr>
+          <p:cNvPr id="30" name="Gerade Verbindung mit Pfeil 29"/>
+          <p:cNvCxnSpPr/>
+          <p:nvPr/>
+        </p:nvCxnSpPr>
+        <p:spPr>
+          <a:xfrm>
+            <a:off x="3835816" y="4653654"/>
+            <a:ext cx="2826240" cy="912767"/>
+          </a:xfrm>
+          <a:prstGeom prst="straightConnector1">
+            <a:avLst/>
+          </a:prstGeom>
+          <a:ln>
+            <a:solidFill>
+              <a:srgbClr val="FF0000"/>
+            </a:solidFill>
+            <a:tailEnd type="triangle"/>
+          </a:ln>
+        </p:spPr>
+        <p:style>
+          <a:lnRef idx="1">
+            <a:schemeClr val="accent1"/>
+          </a:lnRef>
+          <a:fillRef idx="0">
+            <a:schemeClr val="accent1"/>
+          </a:fillRef>
+          <a:effectRef idx="0">
+            <a:schemeClr val="accent1"/>
+          </a:effectRef>
+          <a:fontRef idx="minor">
+            <a:schemeClr val="tx1"/>
+          </a:fontRef>
+        </p:style>
+      </p:cxnSp>
+      <p:cxnSp>
+        <p:nvCxnSpPr>
+          <p:cNvPr id="16" name="Gerade Verbindung mit Pfeil 15"/>
+          <p:cNvCxnSpPr>
+            <a:stCxn id="13" idx="3"/>
+            <a:endCxn id="23" idx="1"/>
+          </p:cNvCxnSpPr>
+          <p:nvPr/>
+        </p:nvCxnSpPr>
+        <p:spPr>
+          <a:xfrm flipV="1">
+            <a:off x="1484746" y="4908376"/>
+            <a:ext cx="1982935" cy="1451459"/>
+          </a:xfrm>
+          <a:prstGeom prst="straightConnector1">
+            <a:avLst/>
+          </a:prstGeom>
+          <a:ln>
+            <a:tailEnd type="triangle"/>
+          </a:ln>
+        </p:spPr>
+        <p:style>
+          <a:lnRef idx="1">
+            <a:schemeClr val="accent1"/>
+          </a:lnRef>
+          <a:fillRef idx="0">
+            <a:schemeClr val="accent1"/>
+          </a:fillRef>
+          <a:effectRef idx="0">
+            <a:schemeClr val="accent1"/>
+          </a:effectRef>
+          <a:fontRef idx="minor">
+            <a:schemeClr val="tx1"/>
+          </a:fontRef>
+        </p:style>
+      </p:cxnSp>
+      <p:cxnSp>
+        <p:nvCxnSpPr>
+          <p:cNvPr id="31" name="Gerade Verbindung mit Pfeil 30"/>
+          <p:cNvCxnSpPr/>
+          <p:nvPr/>
+        </p:nvCxnSpPr>
+        <p:spPr>
+          <a:xfrm flipV="1">
+            <a:off x="4049573" y="3991139"/>
+            <a:ext cx="2410603" cy="915763"/>
+          </a:xfrm>
+          <a:prstGeom prst="straightConnector1">
+            <a:avLst/>
+          </a:prstGeom>
+          <a:ln>
+            <a:solidFill>
+              <a:srgbClr val="FF0000"/>
+            </a:solidFill>
+            <a:tailEnd type="triangle"/>
+          </a:ln>
+        </p:spPr>
+        <p:style>
+          <a:lnRef idx="1">
+            <a:schemeClr val="accent1"/>
+          </a:lnRef>
+          <a:fillRef idx="0">
+            <a:schemeClr val="accent1"/>
+          </a:fillRef>
+          <a:effectRef idx="0">
+            <a:schemeClr val="accent1"/>
+          </a:effectRef>
+          <a:fontRef idx="minor">
+            <a:schemeClr val="tx1"/>
+          </a:fontRef>
+        </p:style>
+      </p:cxnSp>
+    </p:spTree>
+    <p:extLst>
+      <p:ext uri="{BB962C8B-B14F-4D97-AF65-F5344CB8AC3E}">
+        <p14:creationId xmlns:p14="http://schemas.microsoft.com/office/powerpoint/2010/main" val="778197953"/>
+      </p:ext>
+    </p:extLst>
+  </p:cSld>
+  <p:clrMapOvr>
+    <a:masterClrMapping/>
+  </p:clrMapOvr>
+</p:sld>
+</file>
+
+<file path=ppt/slides/slide11.xml><?xml version="1.0" encoding="utf-8"?>
+<p:sld xmlns:a="http://schemas.openxmlformats.org/drawingml/2006/main" xmlns:r="http://schemas.openxmlformats.org/officeDocument/2006/relationships" xmlns:p="http://schemas.openxmlformats.org/presentationml/2006/main">
+  <p:cSld>
+    <p:spTree>
+      <p:nvGrpSpPr>
+        <p:cNvPr id="1" name=""/>
+        <p:cNvGrpSpPr/>
+        <p:nvPr/>
+      </p:nvGrpSpPr>
+      <p:grpSpPr>
+        <a:xfrm>
+          <a:off x="0" y="0"/>
+          <a:ext cx="0" cy="0"/>
+          <a:chOff x="0" y="0"/>
+          <a:chExt cx="0" cy="0"/>
+        </a:xfrm>
+      </p:grpSpPr>
+      <p:cxnSp>
+        <p:nvCxnSpPr>
+          <p:cNvPr id="5" name="Gerader Verbinder 4"/>
+          <p:cNvCxnSpPr/>
+          <p:nvPr/>
+        </p:nvCxnSpPr>
+        <p:spPr>
+          <a:xfrm>
+            <a:off x="2648197" y="380010"/>
+            <a:ext cx="59377" cy="6258296"/>
+          </a:xfrm>
+          <a:prstGeom prst="line">
+            <a:avLst/>
+          </a:prstGeom>
+        </p:spPr>
+        <p:style>
+          <a:lnRef idx="1">
+            <a:schemeClr val="accent1"/>
+          </a:lnRef>
+          <a:fillRef idx="0">
+            <a:schemeClr val="accent1"/>
+          </a:fillRef>
+          <a:effectRef idx="0">
+            <a:schemeClr val="accent1"/>
+          </a:effectRef>
+          <a:fontRef idx="minor">
+            <a:schemeClr val="tx1"/>
+          </a:fontRef>
+        </p:style>
+      </p:cxnSp>
+      <p:sp>
+        <p:nvSpPr>
+          <p:cNvPr id="6" name="Textfeld 5"/>
+          <p:cNvSpPr txBox="1"/>
+          <p:nvPr/>
+        </p:nvSpPr>
+        <p:spPr>
+          <a:xfrm>
+            <a:off x="8098971" y="380010"/>
+            <a:ext cx="3812454" cy="4247317"/>
+          </a:xfrm>
+          <a:prstGeom prst="rect">
+            <a:avLst/>
+          </a:prstGeom>
+          <a:noFill/>
+        </p:spPr>
+        <p:txBody>
+          <a:bodyPr wrap="none" rtlCol="0">
+            <a:spAutoFit/>
+          </a:bodyPr>
+          <a:lstStyle/>
+          <a:p>
+            <a:r>
+              <a:rPr lang="sv-SE" smtClean="0"/>
+              <a:t>char[][] room;</a:t>
+            </a:r>
+          </a:p>
+          <a:p>
+            <a:endParaRPr lang="sv-SE"/>
+          </a:p>
+          <a:p>
+            <a:r>
+              <a:rPr lang="sv-SE" smtClean="0"/>
+              <a:t>char</a:t>
+            </a:r>
+            <a:r>
+              <a:rPr lang="sv-SE"/>
+              <a:t>[] tom = { 't', 'o', 'm' };</a:t>
+            </a:r>
+          </a:p>
+          <a:p>
+            <a:endParaRPr lang="de-DE"/>
+          </a:p>
+          <a:p>
+            <a:r>
+              <a:rPr lang="de-DE"/>
+              <a:t>char[] paul = { 'p', 'a', 'u', 'l</a:t>
+            </a:r>
+            <a:r>
+              <a:rPr lang="de-DE"/>
+              <a:t>' </a:t>
+            </a:r>
+            <a:r>
+              <a:rPr lang="de-DE" smtClean="0"/>
+              <a:t>};</a:t>
+            </a:r>
+          </a:p>
+          <a:p>
+            <a:endParaRPr lang="de-DE"/>
+          </a:p>
+          <a:p>
+            <a:r>
+              <a:rPr lang="en-US"/>
+              <a:t>room = new char[][] { tom, null, </a:t>
+            </a:r>
+            <a:r>
+              <a:rPr lang="en-US"/>
+              <a:t>null </a:t>
+            </a:r>
+            <a:r>
+              <a:rPr lang="en-US" smtClean="0"/>
+              <a:t>};</a:t>
+            </a:r>
+          </a:p>
+          <a:p>
+            <a:endParaRPr lang="en-US"/>
+          </a:p>
+          <a:p>
+            <a:r>
+              <a:rPr lang="de-DE"/>
+              <a:t>room[1] = paul;</a:t>
+            </a:r>
+          </a:p>
+          <a:p>
+            <a:r>
+              <a:rPr lang="de-DE" b="1"/>
+              <a:t>room[2] = </a:t>
+            </a:r>
+            <a:r>
+              <a:rPr lang="de-DE" b="1"/>
+              <a:t>tom</a:t>
+            </a:r>
+            <a:r>
+              <a:rPr lang="de-DE" b="1" smtClean="0"/>
+              <a:t>;</a:t>
+            </a:r>
+          </a:p>
+          <a:p>
+            <a:endParaRPr lang="de-DE"/>
+          </a:p>
+          <a:p>
+            <a:r>
+              <a:rPr lang="de-DE"/>
+              <a:t>room[0][2] = </a:t>
+            </a:r>
+            <a:r>
+              <a:rPr lang="de-DE"/>
+              <a:t>'R</a:t>
+            </a:r>
+            <a:r>
+              <a:rPr lang="de-DE" smtClean="0"/>
+              <a:t>';</a:t>
+            </a:r>
+          </a:p>
+          <a:p>
+            <a:endParaRPr lang="de-DE"/>
+          </a:p>
+          <a:p>
+            <a:r>
+              <a:rPr lang="de-DE"/>
+              <a:t>System.out.println(room[2][2]);</a:t>
+            </a:r>
+            <a:endParaRPr lang="de-DE"/>
+          </a:p>
+          <a:p>
+            <a:endParaRPr lang="de-DE"/>
+          </a:p>
+        </p:txBody>
+      </p:sp>
+      <p:sp>
+        <p:nvSpPr>
+          <p:cNvPr id="7" name="Textfeld 6"/>
+          <p:cNvSpPr txBox="1"/>
+          <p:nvPr/>
+        </p:nvSpPr>
+        <p:spPr>
+          <a:xfrm>
+            <a:off x="795647" y="5314807"/>
+            <a:ext cx="565539" cy="369332"/>
+          </a:xfrm>
+          <a:prstGeom prst="rect">
+            <a:avLst/>
+          </a:prstGeom>
+          <a:noFill/>
+        </p:spPr>
+        <p:txBody>
+          <a:bodyPr wrap="none" rtlCol="0">
+            <a:spAutoFit/>
+          </a:bodyPr>
+          <a:lstStyle/>
+          <a:p>
+            <a:r>
+              <a:rPr lang="de-DE" smtClean="0"/>
+              <a:t>tom</a:t>
+            </a:r>
+            <a:endParaRPr lang="de-DE"/>
+          </a:p>
+        </p:txBody>
+      </p:sp>
+      <p:sp>
+        <p:nvSpPr>
+          <p:cNvPr id="8" name="Rechteck 7"/>
+          <p:cNvSpPr/>
+          <p:nvPr/>
+        </p:nvSpPr>
+        <p:spPr>
+          <a:xfrm>
+            <a:off x="6662056" y="5368844"/>
+            <a:ext cx="807522" cy="1009403"/>
+          </a:xfrm>
+          <a:prstGeom prst="rect">
+            <a:avLst/>
+          </a:prstGeom>
+        </p:spPr>
+        <p:style>
+          <a:lnRef idx="2">
+            <a:schemeClr val="accent1">
+              <a:shade val="50000"/>
+            </a:schemeClr>
+          </a:lnRef>
+          <a:fillRef idx="1">
+            <a:schemeClr val="accent1"/>
+          </a:fillRef>
+          <a:effectRef idx="0">
+            <a:schemeClr val="accent1"/>
+          </a:effectRef>
+          <a:fontRef idx="minor">
+            <a:schemeClr val="lt1"/>
+          </a:fontRef>
+        </p:style>
+        <p:txBody>
+          <a:bodyPr rtlCol="0" anchor="ctr"/>
+          <a:lstStyle/>
+          <a:p>
+            <a:pPr algn="ctr"/>
+            <a:endParaRPr lang="de-DE"/>
+          </a:p>
+        </p:txBody>
+      </p:sp>
+      <p:sp>
+        <p:nvSpPr>
+          <p:cNvPr id="9" name="Rechteck 8"/>
+          <p:cNvSpPr/>
+          <p:nvPr/>
+        </p:nvSpPr>
+        <p:spPr>
+          <a:xfrm>
+            <a:off x="6768934" y="5499473"/>
+            <a:ext cx="641267" cy="249381"/>
+          </a:xfrm>
+          <a:prstGeom prst="rect">
+            <a:avLst/>
+          </a:prstGeom>
+        </p:spPr>
+        <p:style>
+          <a:lnRef idx="2">
+            <a:schemeClr val="accent1">
+              <a:shade val="50000"/>
+            </a:schemeClr>
+          </a:lnRef>
+          <a:fillRef idx="1">
+            <a:schemeClr val="accent1"/>
+          </a:fillRef>
+          <a:effectRef idx="0">
+            <a:schemeClr val="accent1"/>
+          </a:effectRef>
+          <a:fontRef idx="minor">
+            <a:schemeClr val="lt1"/>
+          </a:fontRef>
+        </p:style>
+        <p:txBody>
+          <a:bodyPr rtlCol="0" anchor="ctr"/>
+          <a:lstStyle/>
+          <a:p>
+            <a:pPr algn="ctr"/>
+            <a:r>
+              <a:rPr lang="de-DE" smtClean="0"/>
+              <a:t>t</a:t>
+            </a:r>
+            <a:endParaRPr lang="de-DE"/>
+          </a:p>
+        </p:txBody>
+      </p:sp>
+      <p:sp>
+        <p:nvSpPr>
+          <p:cNvPr id="10" name="Rechteck 9"/>
+          <p:cNvSpPr/>
+          <p:nvPr/>
+        </p:nvSpPr>
+        <p:spPr>
+          <a:xfrm>
+            <a:off x="6768933" y="5758061"/>
+            <a:ext cx="641267" cy="249381"/>
+          </a:xfrm>
+          <a:prstGeom prst="rect">
+            <a:avLst/>
+          </a:prstGeom>
+        </p:spPr>
+        <p:style>
+          <a:lnRef idx="2">
+            <a:schemeClr val="accent1">
+              <a:shade val="50000"/>
+            </a:schemeClr>
+          </a:lnRef>
+          <a:fillRef idx="1">
+            <a:schemeClr val="accent1"/>
+          </a:fillRef>
+          <a:effectRef idx="0">
+            <a:schemeClr val="accent1"/>
+          </a:effectRef>
+          <a:fontRef idx="minor">
+            <a:schemeClr val="lt1"/>
+          </a:fontRef>
+        </p:style>
+        <p:txBody>
+          <a:bodyPr rtlCol="0" anchor="ctr"/>
+          <a:lstStyle/>
+          <a:p>
+            <a:pPr algn="ctr"/>
+            <a:r>
+              <a:rPr lang="de-DE"/>
+              <a:t>o</a:t>
+            </a:r>
+          </a:p>
+        </p:txBody>
+      </p:sp>
+      <p:sp>
+        <p:nvSpPr>
+          <p:cNvPr id="11" name="Rechteck 10"/>
+          <p:cNvSpPr/>
+          <p:nvPr/>
+        </p:nvSpPr>
+        <p:spPr>
+          <a:xfrm>
+            <a:off x="6762998" y="5969147"/>
+            <a:ext cx="641267" cy="249381"/>
+          </a:xfrm>
+          <a:prstGeom prst="rect">
+            <a:avLst/>
+          </a:prstGeom>
+        </p:spPr>
+        <p:style>
+          <a:lnRef idx="2">
+            <a:schemeClr val="accent1">
+              <a:shade val="50000"/>
+            </a:schemeClr>
+          </a:lnRef>
+          <a:fillRef idx="1">
+            <a:schemeClr val="accent1"/>
+          </a:fillRef>
+          <a:effectRef idx="0">
+            <a:schemeClr val="accent1"/>
+          </a:effectRef>
+          <a:fontRef idx="minor">
+            <a:schemeClr val="lt1"/>
+          </a:fontRef>
+        </p:style>
+        <p:txBody>
+          <a:bodyPr rtlCol="0" anchor="ctr"/>
+          <a:lstStyle/>
+          <a:p>
+            <a:pPr algn="ctr"/>
+            <a:r>
+              <a:rPr lang="de-DE" smtClean="0"/>
+              <a:t>m</a:t>
+            </a:r>
+            <a:endParaRPr lang="de-DE"/>
+          </a:p>
+        </p:txBody>
+      </p:sp>
+      <p:sp>
+        <p:nvSpPr>
+          <p:cNvPr id="12" name="Textfeld 11"/>
+          <p:cNvSpPr txBox="1"/>
+          <p:nvPr/>
+        </p:nvSpPr>
+        <p:spPr>
+          <a:xfrm>
+            <a:off x="7469578" y="5095712"/>
+            <a:ext cx="736099" cy="369332"/>
+          </a:xfrm>
+          <a:prstGeom prst="rect">
+            <a:avLst/>
+          </a:prstGeom>
+          <a:noFill/>
+        </p:spPr>
+        <p:txBody>
+          <a:bodyPr wrap="none" rtlCol="0">
+            <a:spAutoFit/>
+          </a:bodyPr>
+          <a:lstStyle/>
+          <a:p>
+            <a:r>
+              <a:rPr lang="de-DE" smtClean="0"/>
+              <a:t>char[]</a:t>
+            </a:r>
+            <a:endParaRPr lang="de-DE"/>
+          </a:p>
+        </p:txBody>
+      </p:sp>
+      <p:sp>
+        <p:nvSpPr>
+          <p:cNvPr id="13" name="Textfeld 12"/>
+          <p:cNvSpPr txBox="1"/>
+          <p:nvPr/>
+        </p:nvSpPr>
+        <p:spPr>
+          <a:xfrm>
+            <a:off x="795647" y="6175169"/>
+            <a:ext cx="689099" cy="369332"/>
+          </a:xfrm>
+          <a:prstGeom prst="rect">
+            <a:avLst/>
+          </a:prstGeom>
+          <a:noFill/>
+        </p:spPr>
+        <p:txBody>
+          <a:bodyPr wrap="none" rtlCol="0">
+            <a:spAutoFit/>
+          </a:bodyPr>
+          <a:lstStyle/>
+          <a:p>
+            <a:r>
+              <a:rPr lang="de-DE" smtClean="0"/>
+              <a:t>room</a:t>
+            </a:r>
+            <a:endParaRPr lang="de-DE"/>
+          </a:p>
+        </p:txBody>
+      </p:sp>
+      <p:cxnSp>
+        <p:nvCxnSpPr>
+          <p:cNvPr id="15" name="Gerade Verbindung mit Pfeil 14"/>
+          <p:cNvCxnSpPr>
+            <a:stCxn id="7" idx="3"/>
+            <a:endCxn id="8" idx="1"/>
+          </p:cNvCxnSpPr>
+          <p:nvPr/>
+        </p:nvCxnSpPr>
+        <p:spPr>
+          <a:xfrm>
+            <a:off x="1361186" y="5499473"/>
+            <a:ext cx="5300870" cy="374073"/>
+          </a:xfrm>
+          <a:prstGeom prst="straightConnector1">
+            <a:avLst/>
+          </a:prstGeom>
+          <a:ln>
+            <a:tailEnd type="triangle"/>
+          </a:ln>
+        </p:spPr>
+        <p:style>
+          <a:lnRef idx="1">
+            <a:schemeClr val="accent1"/>
+          </a:lnRef>
+          <a:fillRef idx="0">
+            <a:schemeClr val="accent1"/>
+          </a:fillRef>
+          <a:effectRef idx="0">
+            <a:schemeClr val="accent1"/>
+          </a:effectRef>
+          <a:fontRef idx="minor">
+            <a:schemeClr val="tx1"/>
+          </a:fontRef>
+        </p:style>
+      </p:cxnSp>
+      <p:sp>
+        <p:nvSpPr>
+          <p:cNvPr id="17" name="Rechteck 16"/>
+          <p:cNvSpPr/>
+          <p:nvPr/>
+        </p:nvSpPr>
+        <p:spPr>
+          <a:xfrm>
+            <a:off x="6460176" y="3112533"/>
+            <a:ext cx="807522" cy="1221961"/>
+          </a:xfrm>
+          <a:prstGeom prst="rect">
+            <a:avLst/>
+          </a:prstGeom>
+        </p:spPr>
+        <p:style>
+          <a:lnRef idx="2">
+            <a:schemeClr val="accent1">
+              <a:shade val="50000"/>
+            </a:schemeClr>
+          </a:lnRef>
+          <a:fillRef idx="1">
+            <a:schemeClr val="accent1"/>
+          </a:fillRef>
+          <a:effectRef idx="0">
+            <a:schemeClr val="accent1"/>
+          </a:effectRef>
+          <a:fontRef idx="minor">
+            <a:schemeClr val="lt1"/>
+          </a:fontRef>
+        </p:style>
+        <p:txBody>
+          <a:bodyPr rtlCol="0" anchor="ctr"/>
+          <a:lstStyle/>
+          <a:p>
+            <a:pPr algn="ctr"/>
+            <a:endParaRPr lang="de-DE"/>
+          </a:p>
+        </p:txBody>
+      </p:sp>
+      <p:sp>
+        <p:nvSpPr>
+          <p:cNvPr id="18" name="Rechteck 17"/>
+          <p:cNvSpPr/>
+          <p:nvPr/>
+        </p:nvSpPr>
+        <p:spPr>
+          <a:xfrm>
+            <a:off x="6567054" y="3243162"/>
+            <a:ext cx="641267" cy="249381"/>
+          </a:xfrm>
+          <a:prstGeom prst="rect">
+            <a:avLst/>
+          </a:prstGeom>
+        </p:spPr>
+        <p:style>
+          <a:lnRef idx="2">
+            <a:schemeClr val="accent1">
+              <a:shade val="50000"/>
+            </a:schemeClr>
+          </a:lnRef>
+          <a:fillRef idx="1">
+            <a:schemeClr val="accent1"/>
+          </a:fillRef>
+          <a:effectRef idx="0">
+            <a:schemeClr val="accent1"/>
+          </a:effectRef>
+          <a:fontRef idx="minor">
+            <a:schemeClr val="lt1"/>
+          </a:fontRef>
+        </p:style>
+        <p:txBody>
+          <a:bodyPr rtlCol="0" anchor="ctr"/>
+          <a:lstStyle/>
+          <a:p>
+            <a:pPr algn="ctr"/>
+            <a:r>
+              <a:rPr lang="de-DE" smtClean="0"/>
+              <a:t>p</a:t>
+            </a:r>
+            <a:endParaRPr lang="de-DE"/>
+          </a:p>
+        </p:txBody>
+      </p:sp>
+      <p:sp>
+        <p:nvSpPr>
+          <p:cNvPr id="19" name="Rechteck 18"/>
+          <p:cNvSpPr/>
+          <p:nvPr/>
+        </p:nvSpPr>
+        <p:spPr>
+          <a:xfrm>
+            <a:off x="6567053" y="3501750"/>
+            <a:ext cx="641267" cy="249381"/>
+          </a:xfrm>
+          <a:prstGeom prst="rect">
+            <a:avLst/>
+          </a:prstGeom>
+        </p:spPr>
+        <p:style>
+          <a:lnRef idx="2">
+            <a:schemeClr val="accent1">
+              <a:shade val="50000"/>
+            </a:schemeClr>
+          </a:lnRef>
+          <a:fillRef idx="1">
+            <a:schemeClr val="accent1"/>
+          </a:fillRef>
+          <a:effectRef idx="0">
+            <a:schemeClr val="accent1"/>
+          </a:effectRef>
+          <a:fontRef idx="minor">
+            <a:schemeClr val="lt1"/>
+          </a:fontRef>
+        </p:style>
+        <p:txBody>
+          <a:bodyPr rtlCol="0" anchor="ctr"/>
+          <a:lstStyle/>
+          <a:p>
+            <a:pPr algn="ctr"/>
+            <a:r>
+              <a:rPr lang="de-DE" smtClean="0"/>
+              <a:t>a</a:t>
+            </a:r>
+            <a:endParaRPr lang="de-DE"/>
+          </a:p>
+        </p:txBody>
+      </p:sp>
+      <p:sp>
+        <p:nvSpPr>
+          <p:cNvPr id="20" name="Rechteck 19"/>
+          <p:cNvSpPr/>
+          <p:nvPr/>
+        </p:nvSpPr>
+        <p:spPr>
+          <a:xfrm>
+            <a:off x="6561118" y="3712836"/>
+            <a:ext cx="641267" cy="249381"/>
+          </a:xfrm>
+          <a:prstGeom prst="rect">
+            <a:avLst/>
+          </a:prstGeom>
+        </p:spPr>
+        <p:style>
+          <a:lnRef idx="2">
+            <a:schemeClr val="accent1">
+              <a:shade val="50000"/>
+            </a:schemeClr>
+          </a:lnRef>
+          <a:fillRef idx="1">
+            <a:schemeClr val="accent1"/>
+          </a:fillRef>
+          <a:effectRef idx="0">
+            <a:schemeClr val="accent1"/>
+          </a:effectRef>
+          <a:fontRef idx="minor">
+            <a:schemeClr val="lt1"/>
+          </a:fontRef>
+        </p:style>
+        <p:txBody>
+          <a:bodyPr rtlCol="0" anchor="ctr"/>
+          <a:lstStyle/>
+          <a:p>
+            <a:pPr algn="ctr"/>
+            <a:r>
+              <a:rPr lang="de-DE"/>
+              <a:t>u</a:t>
+            </a:r>
+          </a:p>
+        </p:txBody>
+      </p:sp>
+      <p:sp>
+        <p:nvSpPr>
+          <p:cNvPr id="21" name="Textfeld 20"/>
+          <p:cNvSpPr txBox="1"/>
+          <p:nvPr/>
+        </p:nvSpPr>
+        <p:spPr>
+          <a:xfrm>
+            <a:off x="7267698" y="2839401"/>
+            <a:ext cx="736099" cy="369332"/>
+          </a:xfrm>
+          <a:prstGeom prst="rect">
+            <a:avLst/>
+          </a:prstGeom>
+          <a:noFill/>
+        </p:spPr>
+        <p:txBody>
+          <a:bodyPr wrap="none" rtlCol="0">
+            <a:spAutoFit/>
+          </a:bodyPr>
+          <a:lstStyle/>
+          <a:p>
+            <a:r>
+              <a:rPr lang="de-DE" smtClean="0"/>
+              <a:t>char[]</a:t>
+            </a:r>
+            <a:endParaRPr lang="de-DE"/>
+          </a:p>
+        </p:txBody>
+      </p:sp>
+      <p:sp>
+        <p:nvSpPr>
+          <p:cNvPr id="22" name="Rechteck 21"/>
+          <p:cNvSpPr/>
+          <p:nvPr/>
+        </p:nvSpPr>
+        <p:spPr>
+          <a:xfrm>
+            <a:off x="6561118" y="3935797"/>
+            <a:ext cx="641267" cy="249381"/>
+          </a:xfrm>
+          <a:prstGeom prst="rect">
+            <a:avLst/>
+          </a:prstGeom>
+        </p:spPr>
+        <p:style>
+          <a:lnRef idx="2">
+            <a:schemeClr val="accent1">
+              <a:shade val="50000"/>
+            </a:schemeClr>
+          </a:lnRef>
+          <a:fillRef idx="1">
+            <a:schemeClr val="accent1"/>
+          </a:fillRef>
+          <a:effectRef idx="0">
+            <a:schemeClr val="accent1"/>
+          </a:effectRef>
+          <a:fontRef idx="minor">
+            <a:schemeClr val="lt1"/>
+          </a:fontRef>
+        </p:style>
+        <p:txBody>
+          <a:bodyPr rtlCol="0" anchor="ctr"/>
+          <a:lstStyle/>
+          <a:p>
+            <a:pPr algn="ctr"/>
+            <a:r>
+              <a:rPr lang="de-DE"/>
+              <a:t>l</a:t>
+            </a:r>
+          </a:p>
+        </p:txBody>
+      </p:sp>
+      <p:sp>
+        <p:nvSpPr>
+          <p:cNvPr id="24" name="Textfeld 23"/>
+          <p:cNvSpPr txBox="1"/>
+          <p:nvPr/>
+        </p:nvSpPr>
+        <p:spPr>
+          <a:xfrm>
+            <a:off x="778612" y="4185178"/>
+            <a:ext cx="591829" cy="369332"/>
+          </a:xfrm>
+          <a:prstGeom prst="rect">
+            <a:avLst/>
+          </a:prstGeom>
+          <a:noFill/>
+        </p:spPr>
+        <p:txBody>
+          <a:bodyPr wrap="none" rtlCol="0">
+            <a:spAutoFit/>
+          </a:bodyPr>
+          <a:lstStyle/>
+          <a:p>
+            <a:r>
+              <a:rPr lang="de-DE" smtClean="0"/>
+              <a:t>paul</a:t>
+            </a:r>
+            <a:endParaRPr lang="de-DE"/>
+          </a:p>
+        </p:txBody>
+      </p:sp>
+      <p:cxnSp>
+        <p:nvCxnSpPr>
+          <p:cNvPr id="25" name="Gerade Verbindung mit Pfeil 24"/>
+          <p:cNvCxnSpPr>
+            <a:stCxn id="24" idx="3"/>
+            <a:endCxn id="17" idx="1"/>
+          </p:cNvCxnSpPr>
+          <p:nvPr/>
+        </p:nvCxnSpPr>
+        <p:spPr>
+          <a:xfrm flipV="1">
+            <a:off x="1370441" y="3723514"/>
+            <a:ext cx="5089735" cy="646330"/>
+          </a:xfrm>
+          <a:prstGeom prst="straightConnector1">
+            <a:avLst/>
+          </a:prstGeom>
+          <a:ln>
+            <a:tailEnd type="triangle"/>
+          </a:ln>
+        </p:spPr>
+        <p:style>
+          <a:lnRef idx="1">
+            <a:schemeClr val="accent1"/>
+          </a:lnRef>
+          <a:fillRef idx="0">
+            <a:schemeClr val="accent1"/>
+          </a:fillRef>
+          <a:effectRef idx="0">
+            <a:schemeClr val="accent1"/>
+          </a:effectRef>
+          <a:fontRef idx="minor">
+            <a:schemeClr val="tx1"/>
+          </a:fontRef>
+        </p:style>
+      </p:cxnSp>
+      <p:sp>
+        <p:nvSpPr>
+          <p:cNvPr id="23" name="Rechteck 22"/>
+          <p:cNvSpPr/>
+          <p:nvPr/>
+        </p:nvSpPr>
+        <p:spPr>
+          <a:xfrm>
+            <a:off x="3467681" y="4403674"/>
+            <a:ext cx="807522" cy="1009403"/>
+          </a:xfrm>
+          <a:prstGeom prst="rect">
+            <a:avLst/>
+          </a:prstGeom>
+        </p:spPr>
+        <p:style>
+          <a:lnRef idx="2">
+            <a:schemeClr val="accent1">
+              <a:shade val="50000"/>
+            </a:schemeClr>
+          </a:lnRef>
+          <a:fillRef idx="1">
+            <a:schemeClr val="accent1"/>
+          </a:fillRef>
+          <a:effectRef idx="0">
+            <a:schemeClr val="accent1"/>
+          </a:effectRef>
+          <a:fontRef idx="minor">
+            <a:schemeClr val="lt1"/>
+          </a:fontRef>
+        </p:style>
+        <p:txBody>
+          <a:bodyPr rtlCol="0" anchor="ctr"/>
+          <a:lstStyle/>
+          <a:p>
+            <a:pPr algn="ctr"/>
+            <a:endParaRPr lang="de-DE"/>
+          </a:p>
+        </p:txBody>
+      </p:sp>
+      <p:sp>
+        <p:nvSpPr>
+          <p:cNvPr id="26" name="Rechteck 25"/>
+          <p:cNvSpPr/>
+          <p:nvPr/>
+        </p:nvSpPr>
+        <p:spPr>
+          <a:xfrm>
+            <a:off x="3574559" y="4534303"/>
+            <a:ext cx="641267" cy="249381"/>
+          </a:xfrm>
+          <a:prstGeom prst="rect">
+            <a:avLst/>
+          </a:prstGeom>
+        </p:spPr>
+        <p:style>
+          <a:lnRef idx="2">
+            <a:schemeClr val="accent1">
+              <a:shade val="50000"/>
+            </a:schemeClr>
+          </a:lnRef>
+          <a:fillRef idx="1">
+            <a:schemeClr val="accent1"/>
+          </a:fillRef>
+          <a:effectRef idx="0">
+            <a:schemeClr val="accent1"/>
+          </a:effectRef>
+          <a:fontRef idx="minor">
+            <a:schemeClr val="lt1"/>
+          </a:fontRef>
+        </p:style>
+        <p:txBody>
+          <a:bodyPr rtlCol="0" anchor="ctr"/>
+          <a:lstStyle/>
+          <a:p>
+            <a:pPr algn="ctr"/>
+            <a:endParaRPr lang="de-DE"/>
+          </a:p>
+        </p:txBody>
+      </p:sp>
+      <p:sp>
+        <p:nvSpPr>
+          <p:cNvPr id="27" name="Rechteck 26"/>
+          <p:cNvSpPr/>
+          <p:nvPr/>
+        </p:nvSpPr>
+        <p:spPr>
+          <a:xfrm>
+            <a:off x="3574558" y="4792891"/>
+            <a:ext cx="641267" cy="249381"/>
+          </a:xfrm>
+          <a:prstGeom prst="rect">
+            <a:avLst/>
+          </a:prstGeom>
+        </p:spPr>
+        <p:style>
+          <a:lnRef idx="2">
+            <a:schemeClr val="accent1">
+              <a:shade val="50000"/>
+            </a:schemeClr>
+          </a:lnRef>
+          <a:fillRef idx="1">
+            <a:schemeClr val="accent1"/>
+          </a:fillRef>
+          <a:effectRef idx="0">
+            <a:schemeClr val="accent1"/>
+          </a:effectRef>
+          <a:fontRef idx="minor">
+            <a:schemeClr val="lt1"/>
+          </a:fontRef>
+        </p:style>
+        <p:txBody>
+          <a:bodyPr rtlCol="0" anchor="ctr"/>
+          <a:lstStyle/>
+          <a:p>
+            <a:pPr algn="ctr"/>
+            <a:endParaRPr lang="de-DE"/>
+          </a:p>
+        </p:txBody>
+      </p:sp>
+      <p:sp>
+        <p:nvSpPr>
+          <p:cNvPr id="28" name="Rechteck 27"/>
+          <p:cNvSpPr/>
+          <p:nvPr/>
+        </p:nvSpPr>
+        <p:spPr>
+          <a:xfrm>
+            <a:off x="3568623" y="5003977"/>
+            <a:ext cx="641267" cy="249381"/>
+          </a:xfrm>
+          <a:prstGeom prst="rect">
+            <a:avLst/>
+          </a:prstGeom>
+        </p:spPr>
+        <p:style>
+          <a:lnRef idx="2">
+            <a:schemeClr val="accent1">
+              <a:shade val="50000"/>
+            </a:schemeClr>
+          </a:lnRef>
+          <a:fillRef idx="1">
+            <a:schemeClr val="accent1"/>
+          </a:fillRef>
+          <a:effectRef idx="0">
+            <a:schemeClr val="accent1"/>
+          </a:effectRef>
+          <a:fontRef idx="minor">
+            <a:schemeClr val="lt1"/>
+          </a:fontRef>
+        </p:style>
+        <p:txBody>
+          <a:bodyPr rtlCol="0" anchor="ctr"/>
+          <a:lstStyle/>
+          <a:p>
+            <a:pPr algn="ctr"/>
+            <a:endParaRPr lang="de-DE"/>
+          </a:p>
+        </p:txBody>
+      </p:sp>
+      <p:sp>
+        <p:nvSpPr>
+          <p:cNvPr id="29" name="Textfeld 28"/>
+          <p:cNvSpPr txBox="1"/>
+          <p:nvPr/>
+        </p:nvSpPr>
+        <p:spPr>
+          <a:xfrm>
+            <a:off x="4275203" y="4130542"/>
+            <a:ext cx="877163" cy="369332"/>
+          </a:xfrm>
+          <a:prstGeom prst="rect">
+            <a:avLst/>
+          </a:prstGeom>
+          <a:noFill/>
+        </p:spPr>
+        <p:txBody>
+          <a:bodyPr wrap="none" rtlCol="0">
+            <a:spAutoFit/>
+          </a:bodyPr>
+          <a:lstStyle/>
+          <a:p>
+            <a:r>
+              <a:rPr lang="de-DE" smtClean="0"/>
+              <a:t>char[][]</a:t>
+            </a:r>
+            <a:endParaRPr lang="de-DE"/>
+          </a:p>
+        </p:txBody>
+      </p:sp>
+      <p:cxnSp>
+        <p:nvCxnSpPr>
+          <p:cNvPr id="30" name="Gerade Verbindung mit Pfeil 29"/>
+          <p:cNvCxnSpPr/>
+          <p:nvPr/>
+        </p:nvCxnSpPr>
+        <p:spPr>
+          <a:xfrm>
+            <a:off x="3835816" y="4653654"/>
+            <a:ext cx="2826240" cy="912767"/>
+          </a:xfrm>
+          <a:prstGeom prst="straightConnector1">
+            <a:avLst/>
+          </a:prstGeom>
+          <a:ln>
+            <a:solidFill>
+              <a:srgbClr val="FF0000"/>
+            </a:solidFill>
+            <a:tailEnd type="triangle"/>
+          </a:ln>
+        </p:spPr>
+        <p:style>
+          <a:lnRef idx="1">
+            <a:schemeClr val="accent1"/>
+          </a:lnRef>
+          <a:fillRef idx="0">
+            <a:schemeClr val="accent1"/>
+          </a:fillRef>
+          <a:effectRef idx="0">
+            <a:schemeClr val="accent1"/>
+          </a:effectRef>
+          <a:fontRef idx="minor">
+            <a:schemeClr val="tx1"/>
+          </a:fontRef>
+        </p:style>
+      </p:cxnSp>
+      <p:cxnSp>
+        <p:nvCxnSpPr>
+          <p:cNvPr id="16" name="Gerade Verbindung mit Pfeil 15"/>
+          <p:cNvCxnSpPr>
+            <a:stCxn id="13" idx="3"/>
+            <a:endCxn id="23" idx="1"/>
+          </p:cNvCxnSpPr>
+          <p:nvPr/>
+        </p:nvCxnSpPr>
+        <p:spPr>
+          <a:xfrm flipV="1">
+            <a:off x="1484746" y="4908376"/>
+            <a:ext cx="1982935" cy="1451459"/>
+          </a:xfrm>
+          <a:prstGeom prst="straightConnector1">
+            <a:avLst/>
+          </a:prstGeom>
+          <a:ln>
+            <a:tailEnd type="triangle"/>
+          </a:ln>
+        </p:spPr>
+        <p:style>
+          <a:lnRef idx="1">
+            <a:schemeClr val="accent1"/>
+          </a:lnRef>
+          <a:fillRef idx="0">
+            <a:schemeClr val="accent1"/>
+          </a:fillRef>
+          <a:effectRef idx="0">
+            <a:schemeClr val="accent1"/>
+          </a:effectRef>
+          <a:fontRef idx="minor">
+            <a:schemeClr val="tx1"/>
+          </a:fontRef>
+        </p:style>
+      </p:cxnSp>
+      <p:cxnSp>
+        <p:nvCxnSpPr>
+          <p:cNvPr id="31" name="Gerade Verbindung mit Pfeil 30"/>
+          <p:cNvCxnSpPr/>
+          <p:nvPr/>
+        </p:nvCxnSpPr>
+        <p:spPr>
+          <a:xfrm flipV="1">
+            <a:off x="4049573" y="3991139"/>
+            <a:ext cx="2410603" cy="915763"/>
+          </a:xfrm>
+          <a:prstGeom prst="straightConnector1">
+            <a:avLst/>
+          </a:prstGeom>
+          <a:ln>
+            <a:solidFill>
+              <a:srgbClr val="FF0000"/>
+            </a:solidFill>
+            <a:tailEnd type="triangle"/>
+          </a:ln>
+        </p:spPr>
+        <p:style>
+          <a:lnRef idx="1">
+            <a:schemeClr val="accent1"/>
+          </a:lnRef>
+          <a:fillRef idx="0">
+            <a:schemeClr val="accent1"/>
+          </a:fillRef>
+          <a:effectRef idx="0">
+            <a:schemeClr val="accent1"/>
+          </a:effectRef>
+          <a:fontRef idx="minor">
+            <a:schemeClr val="tx1"/>
+          </a:fontRef>
+        </p:style>
+      </p:cxnSp>
+      <p:cxnSp>
+        <p:nvCxnSpPr>
+          <p:cNvPr id="32" name="Gerade Verbindung mit Pfeil 31"/>
+          <p:cNvCxnSpPr/>
+          <p:nvPr/>
+        </p:nvCxnSpPr>
+        <p:spPr>
+          <a:xfrm>
+            <a:off x="3915308" y="5117988"/>
+            <a:ext cx="2746748" cy="975849"/>
+          </a:xfrm>
+          <a:prstGeom prst="straightConnector1">
+            <a:avLst/>
+          </a:prstGeom>
+          <a:ln>
+            <a:solidFill>
+              <a:srgbClr val="FF0000"/>
+            </a:solidFill>
+            <a:tailEnd type="triangle"/>
+          </a:ln>
+        </p:spPr>
+        <p:style>
+          <a:lnRef idx="1">
+            <a:schemeClr val="accent1"/>
+          </a:lnRef>
+          <a:fillRef idx="0">
+            <a:schemeClr val="accent1"/>
+          </a:fillRef>
+          <a:effectRef idx="0">
+            <a:schemeClr val="accent1"/>
+          </a:effectRef>
+          <a:fontRef idx="minor">
+            <a:schemeClr val="tx1"/>
+          </a:fontRef>
+        </p:style>
+      </p:cxnSp>
+    </p:spTree>
+    <p:extLst>
+      <p:ext uri="{BB962C8B-B14F-4D97-AF65-F5344CB8AC3E}">
+        <p14:creationId xmlns:p14="http://schemas.microsoft.com/office/powerpoint/2010/main" val="1334331062"/>
+      </p:ext>
+    </p:extLst>
+  </p:cSld>
+  <p:clrMapOvr>
+    <a:masterClrMapping/>
+  </p:clrMapOvr>
+</p:sld>
+</file>
+
+<file path=ppt/slides/slide12.xml><?xml version="1.0" encoding="utf-8"?>
+<p:sld xmlns:a="http://schemas.openxmlformats.org/drawingml/2006/main" xmlns:r="http://schemas.openxmlformats.org/officeDocument/2006/relationships" xmlns:p="http://schemas.openxmlformats.org/presentationml/2006/main">
+  <p:cSld>
+    <p:spTree>
+      <p:nvGrpSpPr>
+        <p:cNvPr id="1" name=""/>
+        <p:cNvGrpSpPr/>
+        <p:nvPr/>
+      </p:nvGrpSpPr>
+      <p:grpSpPr>
+        <a:xfrm>
+          <a:off x="0" y="0"/>
+          <a:ext cx="0" cy="0"/>
+          <a:chOff x="0" y="0"/>
+          <a:chExt cx="0" cy="0"/>
+        </a:xfrm>
+      </p:grpSpPr>
+      <p:cxnSp>
+        <p:nvCxnSpPr>
+          <p:cNvPr id="5" name="Gerader Verbinder 4"/>
+          <p:cNvCxnSpPr/>
+          <p:nvPr/>
+        </p:nvCxnSpPr>
+        <p:spPr>
+          <a:xfrm>
+            <a:off x="2648197" y="380010"/>
+            <a:ext cx="59377" cy="6258296"/>
+          </a:xfrm>
+          <a:prstGeom prst="line">
+            <a:avLst/>
+          </a:prstGeom>
+        </p:spPr>
+        <p:style>
+          <a:lnRef idx="1">
+            <a:schemeClr val="accent1"/>
+          </a:lnRef>
+          <a:fillRef idx="0">
+            <a:schemeClr val="accent1"/>
+          </a:fillRef>
+          <a:effectRef idx="0">
+            <a:schemeClr val="accent1"/>
+          </a:effectRef>
+          <a:fontRef idx="minor">
+            <a:schemeClr val="tx1"/>
+          </a:fontRef>
+        </p:style>
+      </p:cxnSp>
+      <p:sp>
+        <p:nvSpPr>
+          <p:cNvPr id="6" name="Textfeld 5"/>
+          <p:cNvSpPr txBox="1"/>
+          <p:nvPr/>
+        </p:nvSpPr>
+        <p:spPr>
+          <a:xfrm>
+            <a:off x="8098971" y="380010"/>
+            <a:ext cx="3812454" cy="4247317"/>
+          </a:xfrm>
+          <a:prstGeom prst="rect">
+            <a:avLst/>
+          </a:prstGeom>
+          <a:noFill/>
+        </p:spPr>
+        <p:txBody>
+          <a:bodyPr wrap="none" rtlCol="0">
+            <a:spAutoFit/>
+          </a:bodyPr>
+          <a:lstStyle/>
+          <a:p>
+            <a:r>
+              <a:rPr lang="sv-SE" smtClean="0"/>
+              <a:t>char[][] room;</a:t>
+            </a:r>
+          </a:p>
+          <a:p>
+            <a:endParaRPr lang="sv-SE"/>
+          </a:p>
+          <a:p>
+            <a:r>
+              <a:rPr lang="sv-SE" smtClean="0"/>
+              <a:t>char</a:t>
+            </a:r>
+            <a:r>
+              <a:rPr lang="sv-SE"/>
+              <a:t>[] tom = { 't', 'o', 'm' };</a:t>
+            </a:r>
+          </a:p>
+          <a:p>
+            <a:endParaRPr lang="de-DE"/>
+          </a:p>
+          <a:p>
+            <a:r>
+              <a:rPr lang="de-DE"/>
+              <a:t>char[] paul = { 'p', 'a', 'u', 'l</a:t>
+            </a:r>
+            <a:r>
+              <a:rPr lang="de-DE"/>
+              <a:t>' </a:t>
+            </a:r>
+            <a:r>
+              <a:rPr lang="de-DE" smtClean="0"/>
+              <a:t>};</a:t>
+            </a:r>
+          </a:p>
+          <a:p>
+            <a:endParaRPr lang="de-DE"/>
+          </a:p>
+          <a:p>
+            <a:r>
+              <a:rPr lang="en-US"/>
+              <a:t>room = new char[][] { tom, null, </a:t>
+            </a:r>
+            <a:r>
+              <a:rPr lang="en-US"/>
+              <a:t>null </a:t>
+            </a:r>
+            <a:r>
+              <a:rPr lang="en-US" smtClean="0"/>
+              <a:t>};</a:t>
+            </a:r>
+          </a:p>
+          <a:p>
+            <a:endParaRPr lang="en-US"/>
+          </a:p>
+          <a:p>
+            <a:r>
+              <a:rPr lang="de-DE"/>
+              <a:t>room[1] = paul;</a:t>
+            </a:r>
+          </a:p>
+          <a:p>
+            <a:r>
+              <a:rPr lang="de-DE"/>
+              <a:t>room[2] = </a:t>
+            </a:r>
+            <a:r>
+              <a:rPr lang="de-DE"/>
+              <a:t>tom</a:t>
+            </a:r>
+            <a:r>
+              <a:rPr lang="de-DE" smtClean="0"/>
+              <a:t>;</a:t>
+            </a:r>
+          </a:p>
+          <a:p>
+            <a:endParaRPr lang="de-DE"/>
+          </a:p>
+          <a:p>
+            <a:r>
+              <a:rPr lang="de-DE" b="1"/>
+              <a:t>room[0][2] = </a:t>
+            </a:r>
+            <a:r>
+              <a:rPr lang="de-DE" b="1"/>
+              <a:t>'R</a:t>
+            </a:r>
+            <a:r>
+              <a:rPr lang="de-DE" b="1" smtClean="0"/>
+              <a:t>';</a:t>
+            </a:r>
+          </a:p>
+          <a:p>
+            <a:endParaRPr lang="de-DE"/>
+          </a:p>
+          <a:p>
+            <a:r>
+              <a:rPr lang="de-DE"/>
+              <a:t>System.out.println(room[2][2]);</a:t>
+            </a:r>
+            <a:endParaRPr lang="de-DE"/>
+          </a:p>
+          <a:p>
+            <a:endParaRPr lang="de-DE"/>
+          </a:p>
+        </p:txBody>
+      </p:sp>
+      <p:sp>
+        <p:nvSpPr>
+          <p:cNvPr id="7" name="Textfeld 6"/>
+          <p:cNvSpPr txBox="1"/>
+          <p:nvPr/>
+        </p:nvSpPr>
+        <p:spPr>
+          <a:xfrm>
+            <a:off x="795647" y="5314807"/>
+            <a:ext cx="565539" cy="369332"/>
+          </a:xfrm>
+          <a:prstGeom prst="rect">
+            <a:avLst/>
+          </a:prstGeom>
+          <a:noFill/>
+        </p:spPr>
+        <p:txBody>
+          <a:bodyPr wrap="none" rtlCol="0">
+            <a:spAutoFit/>
+          </a:bodyPr>
+          <a:lstStyle/>
+          <a:p>
+            <a:r>
+              <a:rPr lang="de-DE" smtClean="0"/>
+              <a:t>tom</a:t>
+            </a:r>
+            <a:endParaRPr lang="de-DE"/>
+          </a:p>
+        </p:txBody>
+      </p:sp>
+      <p:sp>
+        <p:nvSpPr>
+          <p:cNvPr id="8" name="Rechteck 7"/>
+          <p:cNvSpPr/>
+          <p:nvPr/>
+        </p:nvSpPr>
+        <p:spPr>
+          <a:xfrm>
+            <a:off x="6662056" y="5368844"/>
+            <a:ext cx="807522" cy="1009403"/>
+          </a:xfrm>
+          <a:prstGeom prst="rect">
+            <a:avLst/>
+          </a:prstGeom>
+        </p:spPr>
+        <p:style>
+          <a:lnRef idx="2">
+            <a:schemeClr val="accent1">
+              <a:shade val="50000"/>
+            </a:schemeClr>
+          </a:lnRef>
+          <a:fillRef idx="1">
+            <a:schemeClr val="accent1"/>
+          </a:fillRef>
+          <a:effectRef idx="0">
+            <a:schemeClr val="accent1"/>
+          </a:effectRef>
+          <a:fontRef idx="minor">
+            <a:schemeClr val="lt1"/>
+          </a:fontRef>
+        </p:style>
+        <p:txBody>
+          <a:bodyPr rtlCol="0" anchor="ctr"/>
+          <a:lstStyle/>
+          <a:p>
+            <a:pPr algn="ctr"/>
+            <a:endParaRPr lang="de-DE"/>
+          </a:p>
+        </p:txBody>
+      </p:sp>
+      <p:sp>
+        <p:nvSpPr>
+          <p:cNvPr id="9" name="Rechteck 8"/>
+          <p:cNvSpPr/>
+          <p:nvPr/>
+        </p:nvSpPr>
+        <p:spPr>
+          <a:xfrm>
+            <a:off x="6768934" y="5499473"/>
+            <a:ext cx="641267" cy="249381"/>
+          </a:xfrm>
+          <a:prstGeom prst="rect">
+            <a:avLst/>
+          </a:prstGeom>
+        </p:spPr>
+        <p:style>
+          <a:lnRef idx="2">
+            <a:schemeClr val="accent1">
+              <a:shade val="50000"/>
+            </a:schemeClr>
+          </a:lnRef>
+          <a:fillRef idx="1">
+            <a:schemeClr val="accent1"/>
+          </a:fillRef>
+          <a:effectRef idx="0">
+            <a:schemeClr val="accent1"/>
+          </a:effectRef>
+          <a:fontRef idx="minor">
+            <a:schemeClr val="lt1"/>
+          </a:fontRef>
+        </p:style>
+        <p:txBody>
+          <a:bodyPr rtlCol="0" anchor="ctr"/>
+          <a:lstStyle/>
+          <a:p>
+            <a:pPr algn="ctr"/>
+            <a:r>
+              <a:rPr lang="de-DE" smtClean="0"/>
+              <a:t>t</a:t>
+            </a:r>
+            <a:endParaRPr lang="de-DE"/>
+          </a:p>
+        </p:txBody>
+      </p:sp>
+      <p:sp>
+        <p:nvSpPr>
+          <p:cNvPr id="10" name="Rechteck 9"/>
+          <p:cNvSpPr/>
+          <p:nvPr/>
+        </p:nvSpPr>
+        <p:spPr>
+          <a:xfrm>
+            <a:off x="6768933" y="5758061"/>
+            <a:ext cx="641267" cy="249381"/>
+          </a:xfrm>
+          <a:prstGeom prst="rect">
+            <a:avLst/>
+          </a:prstGeom>
+        </p:spPr>
+        <p:style>
+          <a:lnRef idx="2">
+            <a:schemeClr val="accent1">
+              <a:shade val="50000"/>
+            </a:schemeClr>
+          </a:lnRef>
+          <a:fillRef idx="1">
+            <a:schemeClr val="accent1"/>
+          </a:fillRef>
+          <a:effectRef idx="0">
+            <a:schemeClr val="accent1"/>
+          </a:effectRef>
+          <a:fontRef idx="minor">
+            <a:schemeClr val="lt1"/>
+          </a:fontRef>
+        </p:style>
+        <p:txBody>
+          <a:bodyPr rtlCol="0" anchor="ctr"/>
+          <a:lstStyle/>
+          <a:p>
+            <a:pPr algn="ctr"/>
+            <a:r>
+              <a:rPr lang="de-DE"/>
+              <a:t>o</a:t>
+            </a:r>
+          </a:p>
+        </p:txBody>
+      </p:sp>
+      <p:sp>
+        <p:nvSpPr>
+          <p:cNvPr id="11" name="Rechteck 10"/>
+          <p:cNvSpPr/>
+          <p:nvPr/>
+        </p:nvSpPr>
+        <p:spPr>
+          <a:xfrm>
+            <a:off x="6762998" y="5969147"/>
+            <a:ext cx="641267" cy="249381"/>
+          </a:xfrm>
+          <a:prstGeom prst="rect">
+            <a:avLst/>
+          </a:prstGeom>
+        </p:spPr>
+        <p:style>
+          <a:lnRef idx="2">
+            <a:schemeClr val="accent1">
+              <a:shade val="50000"/>
+            </a:schemeClr>
+          </a:lnRef>
+          <a:fillRef idx="1">
+            <a:schemeClr val="accent1"/>
+          </a:fillRef>
+          <a:effectRef idx="0">
+            <a:schemeClr val="accent1"/>
+          </a:effectRef>
+          <a:fontRef idx="minor">
+            <a:schemeClr val="lt1"/>
+          </a:fontRef>
+        </p:style>
+        <p:txBody>
+          <a:bodyPr rtlCol="0" anchor="ctr"/>
+          <a:lstStyle/>
+          <a:p>
+            <a:pPr algn="ctr"/>
+            <a:r>
+              <a:rPr lang="de-DE" smtClean="0"/>
+              <a:t>R</a:t>
+            </a:r>
+            <a:endParaRPr lang="de-DE"/>
+          </a:p>
+        </p:txBody>
+      </p:sp>
+      <p:sp>
+        <p:nvSpPr>
+          <p:cNvPr id="12" name="Textfeld 11"/>
+          <p:cNvSpPr txBox="1"/>
+          <p:nvPr/>
+        </p:nvSpPr>
+        <p:spPr>
+          <a:xfrm>
+            <a:off x="7469578" y="5095712"/>
+            <a:ext cx="736099" cy="369332"/>
+          </a:xfrm>
+          <a:prstGeom prst="rect">
+            <a:avLst/>
+          </a:prstGeom>
+          <a:noFill/>
+        </p:spPr>
+        <p:txBody>
+          <a:bodyPr wrap="none" rtlCol="0">
+            <a:spAutoFit/>
+          </a:bodyPr>
+          <a:lstStyle/>
+          <a:p>
+            <a:r>
+              <a:rPr lang="de-DE" smtClean="0"/>
+              <a:t>char[]</a:t>
+            </a:r>
+            <a:endParaRPr lang="de-DE"/>
+          </a:p>
+        </p:txBody>
+      </p:sp>
+      <p:sp>
+        <p:nvSpPr>
+          <p:cNvPr id="13" name="Textfeld 12"/>
+          <p:cNvSpPr txBox="1"/>
+          <p:nvPr/>
+        </p:nvSpPr>
+        <p:spPr>
+          <a:xfrm>
+            <a:off x="795647" y="6175169"/>
+            <a:ext cx="689099" cy="369332"/>
+          </a:xfrm>
+          <a:prstGeom prst="rect">
+            <a:avLst/>
+          </a:prstGeom>
+          <a:noFill/>
+        </p:spPr>
+        <p:txBody>
+          <a:bodyPr wrap="none" rtlCol="0">
+            <a:spAutoFit/>
+          </a:bodyPr>
+          <a:lstStyle/>
+          <a:p>
+            <a:r>
+              <a:rPr lang="de-DE" smtClean="0"/>
+              <a:t>room</a:t>
+            </a:r>
+            <a:endParaRPr lang="de-DE"/>
+          </a:p>
+        </p:txBody>
+      </p:sp>
+      <p:cxnSp>
+        <p:nvCxnSpPr>
+          <p:cNvPr id="15" name="Gerade Verbindung mit Pfeil 14"/>
+          <p:cNvCxnSpPr>
+            <a:stCxn id="7" idx="3"/>
+            <a:endCxn id="8" idx="1"/>
+          </p:cNvCxnSpPr>
+          <p:nvPr/>
+        </p:nvCxnSpPr>
+        <p:spPr>
+          <a:xfrm>
+            <a:off x="1361186" y="5499473"/>
+            <a:ext cx="5300870" cy="374073"/>
+          </a:xfrm>
+          <a:prstGeom prst="straightConnector1">
+            <a:avLst/>
+          </a:prstGeom>
+          <a:ln>
+            <a:tailEnd type="triangle"/>
+          </a:ln>
+        </p:spPr>
+        <p:style>
+          <a:lnRef idx="1">
+            <a:schemeClr val="accent1"/>
+          </a:lnRef>
+          <a:fillRef idx="0">
+            <a:schemeClr val="accent1"/>
+          </a:fillRef>
+          <a:effectRef idx="0">
+            <a:schemeClr val="accent1"/>
+          </a:effectRef>
+          <a:fontRef idx="minor">
+            <a:schemeClr val="tx1"/>
+          </a:fontRef>
+        </p:style>
+      </p:cxnSp>
+      <p:sp>
+        <p:nvSpPr>
+          <p:cNvPr id="17" name="Rechteck 16"/>
+          <p:cNvSpPr/>
+          <p:nvPr/>
+        </p:nvSpPr>
+        <p:spPr>
+          <a:xfrm>
+            <a:off x="6460176" y="3112533"/>
+            <a:ext cx="807522" cy="1221961"/>
+          </a:xfrm>
+          <a:prstGeom prst="rect">
+            <a:avLst/>
+          </a:prstGeom>
+        </p:spPr>
+        <p:style>
+          <a:lnRef idx="2">
+            <a:schemeClr val="accent1">
+              <a:shade val="50000"/>
+            </a:schemeClr>
+          </a:lnRef>
+          <a:fillRef idx="1">
+            <a:schemeClr val="accent1"/>
+          </a:fillRef>
+          <a:effectRef idx="0">
+            <a:schemeClr val="accent1"/>
+          </a:effectRef>
+          <a:fontRef idx="minor">
+            <a:schemeClr val="lt1"/>
+          </a:fontRef>
+        </p:style>
+        <p:txBody>
+          <a:bodyPr rtlCol="0" anchor="ctr"/>
+          <a:lstStyle/>
+          <a:p>
+            <a:pPr algn="ctr"/>
+            <a:endParaRPr lang="de-DE"/>
+          </a:p>
+        </p:txBody>
+      </p:sp>
+      <p:sp>
+        <p:nvSpPr>
+          <p:cNvPr id="18" name="Rechteck 17"/>
+          <p:cNvSpPr/>
+          <p:nvPr/>
+        </p:nvSpPr>
+        <p:spPr>
+          <a:xfrm>
+            <a:off x="6567054" y="3243162"/>
+            <a:ext cx="641267" cy="249381"/>
+          </a:xfrm>
+          <a:prstGeom prst="rect">
+            <a:avLst/>
+          </a:prstGeom>
+        </p:spPr>
+        <p:style>
+          <a:lnRef idx="2">
+            <a:schemeClr val="accent1">
+              <a:shade val="50000"/>
+            </a:schemeClr>
+          </a:lnRef>
+          <a:fillRef idx="1">
+            <a:schemeClr val="accent1"/>
+          </a:fillRef>
+          <a:effectRef idx="0">
+            <a:schemeClr val="accent1"/>
+          </a:effectRef>
+          <a:fontRef idx="minor">
+            <a:schemeClr val="lt1"/>
+          </a:fontRef>
+        </p:style>
+        <p:txBody>
+          <a:bodyPr rtlCol="0" anchor="ctr"/>
+          <a:lstStyle/>
+          <a:p>
+            <a:pPr algn="ctr"/>
+            <a:r>
+              <a:rPr lang="de-DE" smtClean="0"/>
+              <a:t>p</a:t>
+            </a:r>
+            <a:endParaRPr lang="de-DE"/>
+          </a:p>
+        </p:txBody>
+      </p:sp>
+      <p:sp>
+        <p:nvSpPr>
+          <p:cNvPr id="19" name="Rechteck 18"/>
+          <p:cNvSpPr/>
+          <p:nvPr/>
+        </p:nvSpPr>
+        <p:spPr>
+          <a:xfrm>
+            <a:off x="6567053" y="3501750"/>
+            <a:ext cx="641267" cy="249381"/>
+          </a:xfrm>
+          <a:prstGeom prst="rect">
+            <a:avLst/>
+          </a:prstGeom>
+        </p:spPr>
+        <p:style>
+          <a:lnRef idx="2">
+            <a:schemeClr val="accent1">
+              <a:shade val="50000"/>
+            </a:schemeClr>
+          </a:lnRef>
+          <a:fillRef idx="1">
+            <a:schemeClr val="accent1"/>
+          </a:fillRef>
+          <a:effectRef idx="0">
+            <a:schemeClr val="accent1"/>
+          </a:effectRef>
+          <a:fontRef idx="minor">
+            <a:schemeClr val="lt1"/>
+          </a:fontRef>
+        </p:style>
+        <p:txBody>
+          <a:bodyPr rtlCol="0" anchor="ctr"/>
+          <a:lstStyle/>
+          <a:p>
+            <a:pPr algn="ctr"/>
+            <a:r>
+              <a:rPr lang="de-DE" smtClean="0"/>
+              <a:t>a</a:t>
+            </a:r>
+            <a:endParaRPr lang="de-DE"/>
+          </a:p>
+        </p:txBody>
+      </p:sp>
+      <p:sp>
+        <p:nvSpPr>
+          <p:cNvPr id="20" name="Rechteck 19"/>
+          <p:cNvSpPr/>
+          <p:nvPr/>
+        </p:nvSpPr>
+        <p:spPr>
+          <a:xfrm>
+            <a:off x="6561118" y="3712836"/>
+            <a:ext cx="641267" cy="249381"/>
+          </a:xfrm>
+          <a:prstGeom prst="rect">
+            <a:avLst/>
+          </a:prstGeom>
+        </p:spPr>
+        <p:style>
+          <a:lnRef idx="2">
+            <a:schemeClr val="accent1">
+              <a:shade val="50000"/>
+            </a:schemeClr>
+          </a:lnRef>
+          <a:fillRef idx="1">
+            <a:schemeClr val="accent1"/>
+          </a:fillRef>
+          <a:effectRef idx="0">
+            <a:schemeClr val="accent1"/>
+          </a:effectRef>
+          <a:fontRef idx="minor">
+            <a:schemeClr val="lt1"/>
+          </a:fontRef>
+        </p:style>
+        <p:txBody>
+          <a:bodyPr rtlCol="0" anchor="ctr"/>
+          <a:lstStyle/>
+          <a:p>
+            <a:pPr algn="ctr"/>
+            <a:r>
+              <a:rPr lang="de-DE"/>
+              <a:t>u</a:t>
+            </a:r>
+          </a:p>
+        </p:txBody>
+      </p:sp>
+      <p:sp>
+        <p:nvSpPr>
+          <p:cNvPr id="21" name="Textfeld 20"/>
+          <p:cNvSpPr txBox="1"/>
+          <p:nvPr/>
+        </p:nvSpPr>
+        <p:spPr>
+          <a:xfrm>
+            <a:off x="7267698" y="2839401"/>
+            <a:ext cx="736099" cy="369332"/>
+          </a:xfrm>
+          <a:prstGeom prst="rect">
+            <a:avLst/>
+          </a:prstGeom>
+          <a:noFill/>
+        </p:spPr>
+        <p:txBody>
+          <a:bodyPr wrap="none" rtlCol="0">
+            <a:spAutoFit/>
+          </a:bodyPr>
+          <a:lstStyle/>
+          <a:p>
+            <a:r>
+              <a:rPr lang="de-DE" smtClean="0"/>
+              <a:t>char[]</a:t>
+            </a:r>
+            <a:endParaRPr lang="de-DE"/>
+          </a:p>
+        </p:txBody>
+      </p:sp>
+      <p:sp>
+        <p:nvSpPr>
+          <p:cNvPr id="22" name="Rechteck 21"/>
+          <p:cNvSpPr/>
+          <p:nvPr/>
+        </p:nvSpPr>
+        <p:spPr>
+          <a:xfrm>
+            <a:off x="6561118" y="3935797"/>
+            <a:ext cx="641267" cy="249381"/>
+          </a:xfrm>
+          <a:prstGeom prst="rect">
+            <a:avLst/>
+          </a:prstGeom>
+        </p:spPr>
+        <p:style>
+          <a:lnRef idx="2">
+            <a:schemeClr val="accent1">
+              <a:shade val="50000"/>
+            </a:schemeClr>
+          </a:lnRef>
+          <a:fillRef idx="1">
+            <a:schemeClr val="accent1"/>
+          </a:fillRef>
+          <a:effectRef idx="0">
+            <a:schemeClr val="accent1"/>
+          </a:effectRef>
+          <a:fontRef idx="minor">
+            <a:schemeClr val="lt1"/>
+          </a:fontRef>
+        </p:style>
+        <p:txBody>
+          <a:bodyPr rtlCol="0" anchor="ctr"/>
+          <a:lstStyle/>
+          <a:p>
+            <a:pPr algn="ctr"/>
+            <a:r>
+              <a:rPr lang="de-DE"/>
+              <a:t>l</a:t>
+            </a:r>
+          </a:p>
+        </p:txBody>
+      </p:sp>
+      <p:sp>
+        <p:nvSpPr>
+          <p:cNvPr id="24" name="Textfeld 23"/>
+          <p:cNvSpPr txBox="1"/>
+          <p:nvPr/>
+        </p:nvSpPr>
+        <p:spPr>
+          <a:xfrm>
+            <a:off x="778612" y="4185178"/>
+            <a:ext cx="591829" cy="369332"/>
+          </a:xfrm>
+          <a:prstGeom prst="rect">
+            <a:avLst/>
+          </a:prstGeom>
+          <a:noFill/>
+        </p:spPr>
+        <p:txBody>
+          <a:bodyPr wrap="none" rtlCol="0">
+            <a:spAutoFit/>
+          </a:bodyPr>
+          <a:lstStyle/>
+          <a:p>
+            <a:r>
+              <a:rPr lang="de-DE" smtClean="0"/>
+              <a:t>paul</a:t>
+            </a:r>
+            <a:endParaRPr lang="de-DE"/>
+          </a:p>
+        </p:txBody>
+      </p:sp>
+      <p:cxnSp>
+        <p:nvCxnSpPr>
+          <p:cNvPr id="25" name="Gerade Verbindung mit Pfeil 24"/>
+          <p:cNvCxnSpPr>
+            <a:stCxn id="24" idx="3"/>
+            <a:endCxn id="17" idx="1"/>
+          </p:cNvCxnSpPr>
+          <p:nvPr/>
+        </p:nvCxnSpPr>
+        <p:spPr>
+          <a:xfrm flipV="1">
+            <a:off x="1370441" y="3723514"/>
+            <a:ext cx="5089735" cy="646330"/>
+          </a:xfrm>
+          <a:prstGeom prst="straightConnector1">
+            <a:avLst/>
+          </a:prstGeom>
+          <a:ln>
+            <a:tailEnd type="triangle"/>
+          </a:ln>
+        </p:spPr>
+        <p:style>
+          <a:lnRef idx="1">
+            <a:schemeClr val="accent1"/>
+          </a:lnRef>
+          <a:fillRef idx="0">
+            <a:schemeClr val="accent1"/>
+          </a:fillRef>
+          <a:effectRef idx="0">
+            <a:schemeClr val="accent1"/>
+          </a:effectRef>
+          <a:fontRef idx="minor">
+            <a:schemeClr val="tx1"/>
+          </a:fontRef>
+        </p:style>
+      </p:cxnSp>
+      <p:sp>
+        <p:nvSpPr>
+          <p:cNvPr id="23" name="Rechteck 22"/>
+          <p:cNvSpPr/>
+          <p:nvPr/>
+        </p:nvSpPr>
+        <p:spPr>
+          <a:xfrm>
+            <a:off x="3467681" y="4403674"/>
+            <a:ext cx="807522" cy="1009403"/>
+          </a:xfrm>
+          <a:prstGeom prst="rect">
+            <a:avLst/>
+          </a:prstGeom>
+        </p:spPr>
+        <p:style>
+          <a:lnRef idx="2">
+            <a:schemeClr val="accent1">
+              <a:shade val="50000"/>
+            </a:schemeClr>
+          </a:lnRef>
+          <a:fillRef idx="1">
+            <a:schemeClr val="accent1"/>
+          </a:fillRef>
+          <a:effectRef idx="0">
+            <a:schemeClr val="accent1"/>
+          </a:effectRef>
+          <a:fontRef idx="minor">
+            <a:schemeClr val="lt1"/>
+          </a:fontRef>
+        </p:style>
+        <p:txBody>
+          <a:bodyPr rtlCol="0" anchor="ctr"/>
+          <a:lstStyle/>
+          <a:p>
+            <a:pPr algn="ctr"/>
+            <a:endParaRPr lang="de-DE"/>
+          </a:p>
+        </p:txBody>
+      </p:sp>
+      <p:sp>
+        <p:nvSpPr>
+          <p:cNvPr id="26" name="Rechteck 25"/>
+          <p:cNvSpPr/>
+          <p:nvPr/>
+        </p:nvSpPr>
+        <p:spPr>
+          <a:xfrm>
+            <a:off x="3574559" y="4534303"/>
+            <a:ext cx="641267" cy="249381"/>
+          </a:xfrm>
+          <a:prstGeom prst="rect">
+            <a:avLst/>
+          </a:prstGeom>
+        </p:spPr>
+        <p:style>
+          <a:lnRef idx="2">
+            <a:schemeClr val="accent1">
+              <a:shade val="50000"/>
+            </a:schemeClr>
+          </a:lnRef>
+          <a:fillRef idx="1">
+            <a:schemeClr val="accent1"/>
+          </a:fillRef>
+          <a:effectRef idx="0">
+            <a:schemeClr val="accent1"/>
+          </a:effectRef>
+          <a:fontRef idx="minor">
+            <a:schemeClr val="lt1"/>
+          </a:fontRef>
+        </p:style>
+        <p:txBody>
+          <a:bodyPr rtlCol="0" anchor="ctr"/>
+          <a:lstStyle/>
+          <a:p>
+            <a:pPr algn="ctr"/>
+            <a:endParaRPr lang="de-DE"/>
+          </a:p>
+        </p:txBody>
+      </p:sp>
+      <p:sp>
+        <p:nvSpPr>
+          <p:cNvPr id="27" name="Rechteck 26"/>
+          <p:cNvSpPr/>
+          <p:nvPr/>
+        </p:nvSpPr>
+        <p:spPr>
+          <a:xfrm>
+            <a:off x="3574558" y="4792891"/>
+            <a:ext cx="641267" cy="249381"/>
+          </a:xfrm>
+          <a:prstGeom prst="rect">
+            <a:avLst/>
+          </a:prstGeom>
+        </p:spPr>
+        <p:style>
+          <a:lnRef idx="2">
+            <a:schemeClr val="accent1">
+              <a:shade val="50000"/>
+            </a:schemeClr>
+          </a:lnRef>
+          <a:fillRef idx="1">
+            <a:schemeClr val="accent1"/>
+          </a:fillRef>
+          <a:effectRef idx="0">
+            <a:schemeClr val="accent1"/>
+          </a:effectRef>
+          <a:fontRef idx="minor">
+            <a:schemeClr val="lt1"/>
+          </a:fontRef>
+        </p:style>
+        <p:txBody>
+          <a:bodyPr rtlCol="0" anchor="ctr"/>
+          <a:lstStyle/>
+          <a:p>
+            <a:pPr algn="ctr"/>
+            <a:endParaRPr lang="de-DE"/>
+          </a:p>
+        </p:txBody>
+      </p:sp>
+      <p:sp>
+        <p:nvSpPr>
+          <p:cNvPr id="28" name="Rechteck 27"/>
+          <p:cNvSpPr/>
+          <p:nvPr/>
+        </p:nvSpPr>
+        <p:spPr>
+          <a:xfrm>
+            <a:off x="3568623" y="5003977"/>
+            <a:ext cx="641267" cy="249381"/>
+          </a:xfrm>
+          <a:prstGeom prst="rect">
+            <a:avLst/>
+          </a:prstGeom>
+        </p:spPr>
+        <p:style>
+          <a:lnRef idx="2">
+            <a:schemeClr val="accent1">
+              <a:shade val="50000"/>
+            </a:schemeClr>
+          </a:lnRef>
+          <a:fillRef idx="1">
+            <a:schemeClr val="accent1"/>
+          </a:fillRef>
+          <a:effectRef idx="0">
+            <a:schemeClr val="accent1"/>
+          </a:effectRef>
+          <a:fontRef idx="minor">
+            <a:schemeClr val="lt1"/>
+          </a:fontRef>
+        </p:style>
+        <p:txBody>
+          <a:bodyPr rtlCol="0" anchor="ctr"/>
+          <a:lstStyle/>
+          <a:p>
+            <a:pPr algn="ctr"/>
+            <a:endParaRPr lang="de-DE"/>
+          </a:p>
+        </p:txBody>
+      </p:sp>
+      <p:sp>
+        <p:nvSpPr>
+          <p:cNvPr id="29" name="Textfeld 28"/>
+          <p:cNvSpPr txBox="1"/>
+          <p:nvPr/>
+        </p:nvSpPr>
+        <p:spPr>
+          <a:xfrm>
+            <a:off x="4275203" y="4130542"/>
+            <a:ext cx="877163" cy="369332"/>
+          </a:xfrm>
+          <a:prstGeom prst="rect">
+            <a:avLst/>
+          </a:prstGeom>
+          <a:noFill/>
+        </p:spPr>
+        <p:txBody>
+          <a:bodyPr wrap="none" rtlCol="0">
+            <a:spAutoFit/>
+          </a:bodyPr>
+          <a:lstStyle/>
+          <a:p>
+            <a:r>
+              <a:rPr lang="de-DE" smtClean="0"/>
+              <a:t>char[][]</a:t>
+            </a:r>
+            <a:endParaRPr lang="de-DE"/>
+          </a:p>
+        </p:txBody>
+      </p:sp>
+      <p:cxnSp>
+        <p:nvCxnSpPr>
+          <p:cNvPr id="30" name="Gerade Verbindung mit Pfeil 29"/>
+          <p:cNvCxnSpPr/>
+          <p:nvPr/>
+        </p:nvCxnSpPr>
+        <p:spPr>
+          <a:xfrm>
+            <a:off x="3835816" y="4653654"/>
+            <a:ext cx="2826240" cy="912767"/>
+          </a:xfrm>
+          <a:prstGeom prst="straightConnector1">
+            <a:avLst/>
+          </a:prstGeom>
+          <a:ln>
+            <a:solidFill>
+              <a:srgbClr val="FF0000"/>
+            </a:solidFill>
+            <a:tailEnd type="triangle"/>
+          </a:ln>
+        </p:spPr>
+        <p:style>
+          <a:lnRef idx="1">
+            <a:schemeClr val="accent1"/>
+          </a:lnRef>
+          <a:fillRef idx="0">
+            <a:schemeClr val="accent1"/>
+          </a:fillRef>
+          <a:effectRef idx="0">
+            <a:schemeClr val="accent1"/>
+          </a:effectRef>
+          <a:fontRef idx="minor">
+            <a:schemeClr val="tx1"/>
+          </a:fontRef>
+        </p:style>
+      </p:cxnSp>
+      <p:cxnSp>
+        <p:nvCxnSpPr>
+          <p:cNvPr id="16" name="Gerade Verbindung mit Pfeil 15"/>
+          <p:cNvCxnSpPr>
+            <a:stCxn id="13" idx="3"/>
+            <a:endCxn id="23" idx="1"/>
+          </p:cNvCxnSpPr>
+          <p:nvPr/>
+        </p:nvCxnSpPr>
+        <p:spPr>
+          <a:xfrm flipV="1">
+            <a:off x="1484746" y="4908376"/>
+            <a:ext cx="1982935" cy="1451459"/>
+          </a:xfrm>
+          <a:prstGeom prst="straightConnector1">
+            <a:avLst/>
+          </a:prstGeom>
+          <a:ln>
+            <a:tailEnd type="triangle"/>
+          </a:ln>
+        </p:spPr>
+        <p:style>
+          <a:lnRef idx="1">
+            <a:schemeClr val="accent1"/>
+          </a:lnRef>
+          <a:fillRef idx="0">
+            <a:schemeClr val="accent1"/>
+          </a:fillRef>
+          <a:effectRef idx="0">
+            <a:schemeClr val="accent1"/>
+          </a:effectRef>
+          <a:fontRef idx="minor">
+            <a:schemeClr val="tx1"/>
+          </a:fontRef>
+        </p:style>
+      </p:cxnSp>
+      <p:cxnSp>
+        <p:nvCxnSpPr>
+          <p:cNvPr id="31" name="Gerade Verbindung mit Pfeil 30"/>
+          <p:cNvCxnSpPr/>
+          <p:nvPr/>
+        </p:nvCxnSpPr>
+        <p:spPr>
+          <a:xfrm flipV="1">
+            <a:off x="4049573" y="3991139"/>
+            <a:ext cx="2410603" cy="915763"/>
+          </a:xfrm>
+          <a:prstGeom prst="straightConnector1">
+            <a:avLst/>
+          </a:prstGeom>
+          <a:ln>
+            <a:solidFill>
+              <a:srgbClr val="FF0000"/>
+            </a:solidFill>
+            <a:tailEnd type="triangle"/>
+          </a:ln>
+        </p:spPr>
+        <p:style>
+          <a:lnRef idx="1">
+            <a:schemeClr val="accent1"/>
+          </a:lnRef>
+          <a:fillRef idx="0">
+            <a:schemeClr val="accent1"/>
+          </a:fillRef>
+          <a:effectRef idx="0">
+            <a:schemeClr val="accent1"/>
+          </a:effectRef>
+          <a:fontRef idx="minor">
+            <a:schemeClr val="tx1"/>
+          </a:fontRef>
+        </p:style>
+      </p:cxnSp>
+      <p:cxnSp>
+        <p:nvCxnSpPr>
+          <p:cNvPr id="32" name="Gerade Verbindung mit Pfeil 31"/>
+          <p:cNvCxnSpPr/>
+          <p:nvPr/>
+        </p:nvCxnSpPr>
+        <p:spPr>
+          <a:xfrm>
+            <a:off x="3915308" y="5117988"/>
+            <a:ext cx="2746748" cy="975849"/>
+          </a:xfrm>
+          <a:prstGeom prst="straightConnector1">
+            <a:avLst/>
+          </a:prstGeom>
+          <a:ln>
+            <a:solidFill>
+              <a:srgbClr val="FF0000"/>
+            </a:solidFill>
+            <a:tailEnd type="triangle"/>
+          </a:ln>
+        </p:spPr>
+        <p:style>
+          <a:lnRef idx="1">
+            <a:schemeClr val="accent1"/>
+          </a:lnRef>
+          <a:fillRef idx="0">
+            <a:schemeClr val="accent1"/>
+          </a:fillRef>
+          <a:effectRef idx="0">
+            <a:schemeClr val="accent1"/>
+          </a:effectRef>
+          <a:fontRef idx="minor">
+            <a:schemeClr val="tx1"/>
+          </a:fontRef>
+        </p:style>
+      </p:cxnSp>
+    </p:spTree>
+    <p:extLst>
+      <p:ext uri="{BB962C8B-B14F-4D97-AF65-F5344CB8AC3E}">
+        <p14:creationId xmlns:p14="http://schemas.microsoft.com/office/powerpoint/2010/main" val="1333684087"/>
+      </p:ext>
+    </p:extLst>
+  </p:cSld>
+  <p:clrMapOvr>
+    <a:masterClrMapping/>
+  </p:clrMapOvr>
+</p:sld>
+</file>
+
 <file path=ppt/slides/slide2.xml><?xml version="1.0" encoding="utf-8"?>
 <p:sld xmlns:a="http://schemas.openxmlformats.org/drawingml/2006/main" xmlns:r="http://schemas.openxmlformats.org/officeDocument/2006/relationships" xmlns:p="http://schemas.openxmlformats.org/presentationml/2006/main">
   <p:cSld>
@@ -6266,6 +9635,1936 @@
     <p:extLst>
       <p:ext uri="{BB962C8B-B14F-4D97-AF65-F5344CB8AC3E}">
         <p14:creationId xmlns:p14="http://schemas.microsoft.com/office/powerpoint/2010/main" val="3736242807"/>
+      </p:ext>
+    </p:extLst>
+  </p:cSld>
+  <p:clrMapOvr>
+    <a:masterClrMapping/>
+  </p:clrMapOvr>
+</p:sld>
+</file>
+
+<file path=ppt/slides/slide7.xml><?xml version="1.0" encoding="utf-8"?>
+<p:sld xmlns:a="http://schemas.openxmlformats.org/drawingml/2006/main" xmlns:r="http://schemas.openxmlformats.org/officeDocument/2006/relationships" xmlns:p="http://schemas.openxmlformats.org/presentationml/2006/main">
+  <p:cSld>
+    <p:spTree>
+      <p:nvGrpSpPr>
+        <p:cNvPr id="1" name=""/>
+        <p:cNvGrpSpPr/>
+        <p:nvPr/>
+      </p:nvGrpSpPr>
+      <p:grpSpPr>
+        <a:xfrm>
+          <a:off x="0" y="0"/>
+          <a:ext cx="0" cy="0"/>
+          <a:chOff x="0" y="0"/>
+          <a:chExt cx="0" cy="0"/>
+        </a:xfrm>
+      </p:grpSpPr>
+      <p:sp>
+        <p:nvSpPr>
+          <p:cNvPr id="2" name="Titel 1"/>
+          <p:cNvSpPr>
+            <a:spLocks noGrp="1"/>
+          </p:cNvSpPr>
+          <p:nvPr>
+            <p:ph type="title"/>
+          </p:nvPr>
+        </p:nvSpPr>
+        <p:spPr/>
+        <p:txBody>
+          <a:bodyPr/>
+          <a:lstStyle/>
+          <a:p>
+            <a:endParaRPr lang="de-DE"/>
+          </a:p>
+        </p:txBody>
+      </p:sp>
+      <p:sp>
+        <p:nvSpPr>
+          <p:cNvPr id="3" name="Inhaltsplatzhalter 2"/>
+          <p:cNvSpPr>
+            <a:spLocks noGrp="1"/>
+          </p:cNvSpPr>
+          <p:nvPr>
+            <p:ph idx="1"/>
+          </p:nvPr>
+        </p:nvSpPr>
+        <p:spPr/>
+        <p:txBody>
+          <a:bodyPr/>
+          <a:lstStyle/>
+          <a:p>
+            <a:endParaRPr lang="de-DE"/>
+          </a:p>
+        </p:txBody>
+      </p:sp>
+    </p:spTree>
+    <p:extLst>
+      <p:ext uri="{BB962C8B-B14F-4D97-AF65-F5344CB8AC3E}">
+        <p14:creationId xmlns:p14="http://schemas.microsoft.com/office/powerpoint/2010/main" val="1965887546"/>
+      </p:ext>
+    </p:extLst>
+  </p:cSld>
+  <p:clrMapOvr>
+    <a:masterClrMapping/>
+  </p:clrMapOvr>
+</p:sld>
+</file>
+
+<file path=ppt/slides/slide8.xml><?xml version="1.0" encoding="utf-8"?>
+<p:sld xmlns:a="http://schemas.openxmlformats.org/drawingml/2006/main" xmlns:r="http://schemas.openxmlformats.org/officeDocument/2006/relationships" xmlns:p="http://schemas.openxmlformats.org/presentationml/2006/main">
+  <p:cSld>
+    <p:spTree>
+      <p:nvGrpSpPr>
+        <p:cNvPr id="1" name=""/>
+        <p:cNvGrpSpPr/>
+        <p:nvPr/>
+      </p:nvGrpSpPr>
+      <p:grpSpPr>
+        <a:xfrm>
+          <a:off x="0" y="0"/>
+          <a:ext cx="0" cy="0"/>
+          <a:chOff x="0" y="0"/>
+          <a:chExt cx="0" cy="0"/>
+        </a:xfrm>
+      </p:grpSpPr>
+      <p:cxnSp>
+        <p:nvCxnSpPr>
+          <p:cNvPr id="5" name="Gerader Verbinder 4"/>
+          <p:cNvCxnSpPr/>
+          <p:nvPr/>
+        </p:nvCxnSpPr>
+        <p:spPr>
+          <a:xfrm>
+            <a:off x="2648197" y="380010"/>
+            <a:ext cx="59377" cy="6258296"/>
+          </a:xfrm>
+          <a:prstGeom prst="line">
+            <a:avLst/>
+          </a:prstGeom>
+        </p:spPr>
+        <p:style>
+          <a:lnRef idx="1">
+            <a:schemeClr val="accent1"/>
+          </a:lnRef>
+          <a:fillRef idx="0">
+            <a:schemeClr val="accent1"/>
+          </a:fillRef>
+          <a:effectRef idx="0">
+            <a:schemeClr val="accent1"/>
+          </a:effectRef>
+          <a:fontRef idx="minor">
+            <a:schemeClr val="tx1"/>
+          </a:fontRef>
+        </p:style>
+      </p:cxnSp>
+      <p:sp>
+        <p:nvSpPr>
+          <p:cNvPr id="6" name="Textfeld 5"/>
+          <p:cNvSpPr txBox="1"/>
+          <p:nvPr/>
+        </p:nvSpPr>
+        <p:spPr>
+          <a:xfrm>
+            <a:off x="8098971" y="380010"/>
+            <a:ext cx="3723392" cy="4247317"/>
+          </a:xfrm>
+          <a:prstGeom prst="rect">
+            <a:avLst/>
+          </a:prstGeom>
+          <a:noFill/>
+        </p:spPr>
+        <p:txBody>
+          <a:bodyPr wrap="none" rtlCol="0">
+            <a:spAutoFit/>
+          </a:bodyPr>
+          <a:lstStyle/>
+          <a:p>
+            <a:r>
+              <a:rPr lang="sv-SE" b="1" smtClean="0"/>
+              <a:t>char[][] room;</a:t>
+            </a:r>
+          </a:p>
+          <a:p>
+            <a:endParaRPr lang="sv-SE" b="1"/>
+          </a:p>
+          <a:p>
+            <a:r>
+              <a:rPr lang="sv-SE" b="1" smtClean="0"/>
+              <a:t>char</a:t>
+            </a:r>
+            <a:r>
+              <a:rPr lang="sv-SE" b="1"/>
+              <a:t>[] tom = { 't', 'o', 'm' };</a:t>
+            </a:r>
+          </a:p>
+          <a:p>
+            <a:endParaRPr lang="de-DE" b="1"/>
+          </a:p>
+          <a:p>
+            <a:r>
+              <a:rPr lang="de-DE" b="1"/>
+              <a:t>char[] paul = { 'p', 'a', 'u', 'l</a:t>
+            </a:r>
+            <a:r>
+              <a:rPr lang="de-DE" b="1"/>
+              <a:t>' </a:t>
+            </a:r>
+            <a:r>
+              <a:rPr lang="de-DE" b="1" smtClean="0"/>
+              <a:t>};</a:t>
+            </a:r>
+          </a:p>
+          <a:p>
+            <a:endParaRPr lang="de-DE"/>
+          </a:p>
+          <a:p>
+            <a:r>
+              <a:rPr lang="en-US"/>
+              <a:t>room = new char[][] { tom, null, </a:t>
+            </a:r>
+            <a:r>
+              <a:rPr lang="en-US"/>
+              <a:t>null </a:t>
+            </a:r>
+            <a:r>
+              <a:rPr lang="en-US" smtClean="0"/>
+              <a:t>};</a:t>
+            </a:r>
+          </a:p>
+          <a:p>
+            <a:endParaRPr lang="en-US"/>
+          </a:p>
+          <a:p>
+            <a:r>
+              <a:rPr lang="de-DE"/>
+              <a:t>room[1] = paul;</a:t>
+            </a:r>
+          </a:p>
+          <a:p>
+            <a:r>
+              <a:rPr lang="de-DE"/>
+              <a:t>room[2] = </a:t>
+            </a:r>
+            <a:r>
+              <a:rPr lang="de-DE"/>
+              <a:t>tom</a:t>
+            </a:r>
+            <a:r>
+              <a:rPr lang="de-DE" smtClean="0"/>
+              <a:t>;</a:t>
+            </a:r>
+          </a:p>
+          <a:p>
+            <a:endParaRPr lang="de-DE"/>
+          </a:p>
+          <a:p>
+            <a:r>
+              <a:rPr lang="de-DE"/>
+              <a:t>room[0][2] = </a:t>
+            </a:r>
+            <a:r>
+              <a:rPr lang="de-DE"/>
+              <a:t>'R</a:t>
+            </a:r>
+            <a:r>
+              <a:rPr lang="de-DE" smtClean="0"/>
+              <a:t>';</a:t>
+            </a:r>
+          </a:p>
+          <a:p>
+            <a:endParaRPr lang="de-DE"/>
+          </a:p>
+          <a:p>
+            <a:r>
+              <a:rPr lang="de-DE"/>
+              <a:t>System.out.println(room[2][2]);</a:t>
+            </a:r>
+            <a:endParaRPr lang="de-DE"/>
+          </a:p>
+          <a:p>
+            <a:endParaRPr lang="de-DE"/>
+          </a:p>
+        </p:txBody>
+      </p:sp>
+      <p:sp>
+        <p:nvSpPr>
+          <p:cNvPr id="7" name="Textfeld 6"/>
+          <p:cNvSpPr txBox="1"/>
+          <p:nvPr/>
+        </p:nvSpPr>
+        <p:spPr>
+          <a:xfrm>
+            <a:off x="795647" y="5314807"/>
+            <a:ext cx="565539" cy="369332"/>
+          </a:xfrm>
+          <a:prstGeom prst="rect">
+            <a:avLst/>
+          </a:prstGeom>
+          <a:noFill/>
+        </p:spPr>
+        <p:txBody>
+          <a:bodyPr wrap="none" rtlCol="0">
+            <a:spAutoFit/>
+          </a:bodyPr>
+          <a:lstStyle/>
+          <a:p>
+            <a:r>
+              <a:rPr lang="de-DE" smtClean="0"/>
+              <a:t>tom</a:t>
+            </a:r>
+            <a:endParaRPr lang="de-DE"/>
+          </a:p>
+        </p:txBody>
+      </p:sp>
+      <p:sp>
+        <p:nvSpPr>
+          <p:cNvPr id="8" name="Rechteck 7"/>
+          <p:cNvSpPr/>
+          <p:nvPr/>
+        </p:nvSpPr>
+        <p:spPr>
+          <a:xfrm>
+            <a:off x="6662056" y="5368844"/>
+            <a:ext cx="807522" cy="1009403"/>
+          </a:xfrm>
+          <a:prstGeom prst="rect">
+            <a:avLst/>
+          </a:prstGeom>
+        </p:spPr>
+        <p:style>
+          <a:lnRef idx="2">
+            <a:schemeClr val="accent1">
+              <a:shade val="50000"/>
+            </a:schemeClr>
+          </a:lnRef>
+          <a:fillRef idx="1">
+            <a:schemeClr val="accent1"/>
+          </a:fillRef>
+          <a:effectRef idx="0">
+            <a:schemeClr val="accent1"/>
+          </a:effectRef>
+          <a:fontRef idx="minor">
+            <a:schemeClr val="lt1"/>
+          </a:fontRef>
+        </p:style>
+        <p:txBody>
+          <a:bodyPr rtlCol="0" anchor="ctr"/>
+          <a:lstStyle/>
+          <a:p>
+            <a:pPr algn="ctr"/>
+            <a:endParaRPr lang="de-DE"/>
+          </a:p>
+        </p:txBody>
+      </p:sp>
+      <p:sp>
+        <p:nvSpPr>
+          <p:cNvPr id="9" name="Rechteck 8"/>
+          <p:cNvSpPr/>
+          <p:nvPr/>
+        </p:nvSpPr>
+        <p:spPr>
+          <a:xfrm>
+            <a:off x="6768934" y="5499473"/>
+            <a:ext cx="641267" cy="249381"/>
+          </a:xfrm>
+          <a:prstGeom prst="rect">
+            <a:avLst/>
+          </a:prstGeom>
+        </p:spPr>
+        <p:style>
+          <a:lnRef idx="2">
+            <a:schemeClr val="accent1">
+              <a:shade val="50000"/>
+            </a:schemeClr>
+          </a:lnRef>
+          <a:fillRef idx="1">
+            <a:schemeClr val="accent1"/>
+          </a:fillRef>
+          <a:effectRef idx="0">
+            <a:schemeClr val="accent1"/>
+          </a:effectRef>
+          <a:fontRef idx="minor">
+            <a:schemeClr val="lt1"/>
+          </a:fontRef>
+        </p:style>
+        <p:txBody>
+          <a:bodyPr rtlCol="0" anchor="ctr"/>
+          <a:lstStyle/>
+          <a:p>
+            <a:pPr algn="ctr"/>
+            <a:r>
+              <a:rPr lang="de-DE" smtClean="0"/>
+              <a:t>t</a:t>
+            </a:r>
+            <a:endParaRPr lang="de-DE"/>
+          </a:p>
+        </p:txBody>
+      </p:sp>
+      <p:sp>
+        <p:nvSpPr>
+          <p:cNvPr id="10" name="Rechteck 9"/>
+          <p:cNvSpPr/>
+          <p:nvPr/>
+        </p:nvSpPr>
+        <p:spPr>
+          <a:xfrm>
+            <a:off x="6768933" y="5758061"/>
+            <a:ext cx="641267" cy="249381"/>
+          </a:xfrm>
+          <a:prstGeom prst="rect">
+            <a:avLst/>
+          </a:prstGeom>
+        </p:spPr>
+        <p:style>
+          <a:lnRef idx="2">
+            <a:schemeClr val="accent1">
+              <a:shade val="50000"/>
+            </a:schemeClr>
+          </a:lnRef>
+          <a:fillRef idx="1">
+            <a:schemeClr val="accent1"/>
+          </a:fillRef>
+          <a:effectRef idx="0">
+            <a:schemeClr val="accent1"/>
+          </a:effectRef>
+          <a:fontRef idx="minor">
+            <a:schemeClr val="lt1"/>
+          </a:fontRef>
+        </p:style>
+        <p:txBody>
+          <a:bodyPr rtlCol="0" anchor="ctr"/>
+          <a:lstStyle/>
+          <a:p>
+            <a:pPr algn="ctr"/>
+            <a:r>
+              <a:rPr lang="de-DE"/>
+              <a:t>o</a:t>
+            </a:r>
+          </a:p>
+        </p:txBody>
+      </p:sp>
+      <p:sp>
+        <p:nvSpPr>
+          <p:cNvPr id="11" name="Rechteck 10"/>
+          <p:cNvSpPr/>
+          <p:nvPr/>
+        </p:nvSpPr>
+        <p:spPr>
+          <a:xfrm>
+            <a:off x="6762998" y="5969147"/>
+            <a:ext cx="641267" cy="249381"/>
+          </a:xfrm>
+          <a:prstGeom prst="rect">
+            <a:avLst/>
+          </a:prstGeom>
+        </p:spPr>
+        <p:style>
+          <a:lnRef idx="2">
+            <a:schemeClr val="accent1">
+              <a:shade val="50000"/>
+            </a:schemeClr>
+          </a:lnRef>
+          <a:fillRef idx="1">
+            <a:schemeClr val="accent1"/>
+          </a:fillRef>
+          <a:effectRef idx="0">
+            <a:schemeClr val="accent1"/>
+          </a:effectRef>
+          <a:fontRef idx="minor">
+            <a:schemeClr val="lt1"/>
+          </a:fontRef>
+        </p:style>
+        <p:txBody>
+          <a:bodyPr rtlCol="0" anchor="ctr"/>
+          <a:lstStyle/>
+          <a:p>
+            <a:pPr algn="ctr"/>
+            <a:r>
+              <a:rPr lang="de-DE" smtClean="0"/>
+              <a:t>m</a:t>
+            </a:r>
+            <a:endParaRPr lang="de-DE"/>
+          </a:p>
+        </p:txBody>
+      </p:sp>
+      <p:sp>
+        <p:nvSpPr>
+          <p:cNvPr id="12" name="Textfeld 11"/>
+          <p:cNvSpPr txBox="1"/>
+          <p:nvPr/>
+        </p:nvSpPr>
+        <p:spPr>
+          <a:xfrm>
+            <a:off x="7469578" y="5095712"/>
+            <a:ext cx="736099" cy="369332"/>
+          </a:xfrm>
+          <a:prstGeom prst="rect">
+            <a:avLst/>
+          </a:prstGeom>
+          <a:noFill/>
+        </p:spPr>
+        <p:txBody>
+          <a:bodyPr wrap="none" rtlCol="0">
+            <a:spAutoFit/>
+          </a:bodyPr>
+          <a:lstStyle/>
+          <a:p>
+            <a:r>
+              <a:rPr lang="de-DE" smtClean="0"/>
+              <a:t>char[]</a:t>
+            </a:r>
+            <a:endParaRPr lang="de-DE"/>
+          </a:p>
+        </p:txBody>
+      </p:sp>
+      <p:sp>
+        <p:nvSpPr>
+          <p:cNvPr id="13" name="Textfeld 12"/>
+          <p:cNvSpPr txBox="1"/>
+          <p:nvPr/>
+        </p:nvSpPr>
+        <p:spPr>
+          <a:xfrm>
+            <a:off x="795647" y="6175169"/>
+            <a:ext cx="689099" cy="369332"/>
+          </a:xfrm>
+          <a:prstGeom prst="rect">
+            <a:avLst/>
+          </a:prstGeom>
+          <a:noFill/>
+        </p:spPr>
+        <p:txBody>
+          <a:bodyPr wrap="none" rtlCol="0">
+            <a:spAutoFit/>
+          </a:bodyPr>
+          <a:lstStyle/>
+          <a:p>
+            <a:r>
+              <a:rPr lang="de-DE" smtClean="0"/>
+              <a:t>room</a:t>
+            </a:r>
+            <a:endParaRPr lang="de-DE"/>
+          </a:p>
+        </p:txBody>
+      </p:sp>
+      <p:cxnSp>
+        <p:nvCxnSpPr>
+          <p:cNvPr id="15" name="Gerade Verbindung mit Pfeil 14"/>
+          <p:cNvCxnSpPr>
+            <a:stCxn id="7" idx="3"/>
+            <a:endCxn id="8" idx="1"/>
+          </p:cNvCxnSpPr>
+          <p:nvPr/>
+        </p:nvCxnSpPr>
+        <p:spPr>
+          <a:xfrm>
+            <a:off x="1361186" y="5499473"/>
+            <a:ext cx="5300870" cy="374073"/>
+          </a:xfrm>
+          <a:prstGeom prst="straightConnector1">
+            <a:avLst/>
+          </a:prstGeom>
+          <a:ln>
+            <a:tailEnd type="triangle"/>
+          </a:ln>
+        </p:spPr>
+        <p:style>
+          <a:lnRef idx="1">
+            <a:schemeClr val="accent1"/>
+          </a:lnRef>
+          <a:fillRef idx="0">
+            <a:schemeClr val="accent1"/>
+          </a:fillRef>
+          <a:effectRef idx="0">
+            <a:schemeClr val="accent1"/>
+          </a:effectRef>
+          <a:fontRef idx="minor">
+            <a:schemeClr val="tx1"/>
+          </a:fontRef>
+        </p:style>
+      </p:cxnSp>
+      <p:sp>
+        <p:nvSpPr>
+          <p:cNvPr id="17" name="Rechteck 16"/>
+          <p:cNvSpPr/>
+          <p:nvPr/>
+        </p:nvSpPr>
+        <p:spPr>
+          <a:xfrm>
+            <a:off x="6460176" y="3112533"/>
+            <a:ext cx="807522" cy="1221961"/>
+          </a:xfrm>
+          <a:prstGeom prst="rect">
+            <a:avLst/>
+          </a:prstGeom>
+        </p:spPr>
+        <p:style>
+          <a:lnRef idx="2">
+            <a:schemeClr val="accent1">
+              <a:shade val="50000"/>
+            </a:schemeClr>
+          </a:lnRef>
+          <a:fillRef idx="1">
+            <a:schemeClr val="accent1"/>
+          </a:fillRef>
+          <a:effectRef idx="0">
+            <a:schemeClr val="accent1"/>
+          </a:effectRef>
+          <a:fontRef idx="minor">
+            <a:schemeClr val="lt1"/>
+          </a:fontRef>
+        </p:style>
+        <p:txBody>
+          <a:bodyPr rtlCol="0" anchor="ctr"/>
+          <a:lstStyle/>
+          <a:p>
+            <a:pPr algn="ctr"/>
+            <a:endParaRPr lang="de-DE"/>
+          </a:p>
+        </p:txBody>
+      </p:sp>
+      <p:sp>
+        <p:nvSpPr>
+          <p:cNvPr id="18" name="Rechteck 17"/>
+          <p:cNvSpPr/>
+          <p:nvPr/>
+        </p:nvSpPr>
+        <p:spPr>
+          <a:xfrm>
+            <a:off x="6567054" y="3243162"/>
+            <a:ext cx="641267" cy="249381"/>
+          </a:xfrm>
+          <a:prstGeom prst="rect">
+            <a:avLst/>
+          </a:prstGeom>
+        </p:spPr>
+        <p:style>
+          <a:lnRef idx="2">
+            <a:schemeClr val="accent1">
+              <a:shade val="50000"/>
+            </a:schemeClr>
+          </a:lnRef>
+          <a:fillRef idx="1">
+            <a:schemeClr val="accent1"/>
+          </a:fillRef>
+          <a:effectRef idx="0">
+            <a:schemeClr val="accent1"/>
+          </a:effectRef>
+          <a:fontRef idx="minor">
+            <a:schemeClr val="lt1"/>
+          </a:fontRef>
+        </p:style>
+        <p:txBody>
+          <a:bodyPr rtlCol="0" anchor="ctr"/>
+          <a:lstStyle/>
+          <a:p>
+            <a:pPr algn="ctr"/>
+            <a:r>
+              <a:rPr lang="de-DE" smtClean="0"/>
+              <a:t>p</a:t>
+            </a:r>
+            <a:endParaRPr lang="de-DE"/>
+          </a:p>
+        </p:txBody>
+      </p:sp>
+      <p:sp>
+        <p:nvSpPr>
+          <p:cNvPr id="19" name="Rechteck 18"/>
+          <p:cNvSpPr/>
+          <p:nvPr/>
+        </p:nvSpPr>
+        <p:spPr>
+          <a:xfrm>
+            <a:off x="6567053" y="3501750"/>
+            <a:ext cx="641267" cy="249381"/>
+          </a:xfrm>
+          <a:prstGeom prst="rect">
+            <a:avLst/>
+          </a:prstGeom>
+        </p:spPr>
+        <p:style>
+          <a:lnRef idx="2">
+            <a:schemeClr val="accent1">
+              <a:shade val="50000"/>
+            </a:schemeClr>
+          </a:lnRef>
+          <a:fillRef idx="1">
+            <a:schemeClr val="accent1"/>
+          </a:fillRef>
+          <a:effectRef idx="0">
+            <a:schemeClr val="accent1"/>
+          </a:effectRef>
+          <a:fontRef idx="minor">
+            <a:schemeClr val="lt1"/>
+          </a:fontRef>
+        </p:style>
+        <p:txBody>
+          <a:bodyPr rtlCol="0" anchor="ctr"/>
+          <a:lstStyle/>
+          <a:p>
+            <a:pPr algn="ctr"/>
+            <a:r>
+              <a:rPr lang="de-DE" smtClean="0"/>
+              <a:t>a</a:t>
+            </a:r>
+            <a:endParaRPr lang="de-DE"/>
+          </a:p>
+        </p:txBody>
+      </p:sp>
+      <p:sp>
+        <p:nvSpPr>
+          <p:cNvPr id="20" name="Rechteck 19"/>
+          <p:cNvSpPr/>
+          <p:nvPr/>
+        </p:nvSpPr>
+        <p:spPr>
+          <a:xfrm>
+            <a:off x="6561118" y="3712836"/>
+            <a:ext cx="641267" cy="249381"/>
+          </a:xfrm>
+          <a:prstGeom prst="rect">
+            <a:avLst/>
+          </a:prstGeom>
+        </p:spPr>
+        <p:style>
+          <a:lnRef idx="2">
+            <a:schemeClr val="accent1">
+              <a:shade val="50000"/>
+            </a:schemeClr>
+          </a:lnRef>
+          <a:fillRef idx="1">
+            <a:schemeClr val="accent1"/>
+          </a:fillRef>
+          <a:effectRef idx="0">
+            <a:schemeClr val="accent1"/>
+          </a:effectRef>
+          <a:fontRef idx="minor">
+            <a:schemeClr val="lt1"/>
+          </a:fontRef>
+        </p:style>
+        <p:txBody>
+          <a:bodyPr rtlCol="0" anchor="ctr"/>
+          <a:lstStyle/>
+          <a:p>
+            <a:pPr algn="ctr"/>
+            <a:r>
+              <a:rPr lang="de-DE"/>
+              <a:t>u</a:t>
+            </a:r>
+          </a:p>
+        </p:txBody>
+      </p:sp>
+      <p:sp>
+        <p:nvSpPr>
+          <p:cNvPr id="21" name="Textfeld 20"/>
+          <p:cNvSpPr txBox="1"/>
+          <p:nvPr/>
+        </p:nvSpPr>
+        <p:spPr>
+          <a:xfrm>
+            <a:off x="7267698" y="2839401"/>
+            <a:ext cx="736099" cy="369332"/>
+          </a:xfrm>
+          <a:prstGeom prst="rect">
+            <a:avLst/>
+          </a:prstGeom>
+          <a:noFill/>
+        </p:spPr>
+        <p:txBody>
+          <a:bodyPr wrap="none" rtlCol="0">
+            <a:spAutoFit/>
+          </a:bodyPr>
+          <a:lstStyle/>
+          <a:p>
+            <a:r>
+              <a:rPr lang="de-DE" smtClean="0"/>
+              <a:t>char[]</a:t>
+            </a:r>
+            <a:endParaRPr lang="de-DE"/>
+          </a:p>
+        </p:txBody>
+      </p:sp>
+      <p:sp>
+        <p:nvSpPr>
+          <p:cNvPr id="22" name="Rechteck 21"/>
+          <p:cNvSpPr/>
+          <p:nvPr/>
+        </p:nvSpPr>
+        <p:spPr>
+          <a:xfrm>
+            <a:off x="6561118" y="3935797"/>
+            <a:ext cx="641267" cy="249381"/>
+          </a:xfrm>
+          <a:prstGeom prst="rect">
+            <a:avLst/>
+          </a:prstGeom>
+        </p:spPr>
+        <p:style>
+          <a:lnRef idx="2">
+            <a:schemeClr val="accent1">
+              <a:shade val="50000"/>
+            </a:schemeClr>
+          </a:lnRef>
+          <a:fillRef idx="1">
+            <a:schemeClr val="accent1"/>
+          </a:fillRef>
+          <a:effectRef idx="0">
+            <a:schemeClr val="accent1"/>
+          </a:effectRef>
+          <a:fontRef idx="minor">
+            <a:schemeClr val="lt1"/>
+          </a:fontRef>
+        </p:style>
+        <p:txBody>
+          <a:bodyPr rtlCol="0" anchor="ctr"/>
+          <a:lstStyle/>
+          <a:p>
+            <a:pPr algn="ctr"/>
+            <a:r>
+              <a:rPr lang="de-DE"/>
+              <a:t>l</a:t>
+            </a:r>
+          </a:p>
+        </p:txBody>
+      </p:sp>
+      <p:sp>
+        <p:nvSpPr>
+          <p:cNvPr id="24" name="Textfeld 23"/>
+          <p:cNvSpPr txBox="1"/>
+          <p:nvPr/>
+        </p:nvSpPr>
+        <p:spPr>
+          <a:xfrm>
+            <a:off x="778612" y="4185178"/>
+            <a:ext cx="591829" cy="369332"/>
+          </a:xfrm>
+          <a:prstGeom prst="rect">
+            <a:avLst/>
+          </a:prstGeom>
+          <a:noFill/>
+        </p:spPr>
+        <p:txBody>
+          <a:bodyPr wrap="none" rtlCol="0">
+            <a:spAutoFit/>
+          </a:bodyPr>
+          <a:lstStyle/>
+          <a:p>
+            <a:r>
+              <a:rPr lang="de-DE" smtClean="0"/>
+              <a:t>paul</a:t>
+            </a:r>
+            <a:endParaRPr lang="de-DE"/>
+          </a:p>
+        </p:txBody>
+      </p:sp>
+      <p:cxnSp>
+        <p:nvCxnSpPr>
+          <p:cNvPr id="25" name="Gerade Verbindung mit Pfeil 24"/>
+          <p:cNvCxnSpPr>
+            <a:stCxn id="24" idx="3"/>
+            <a:endCxn id="17" idx="1"/>
+          </p:cNvCxnSpPr>
+          <p:nvPr/>
+        </p:nvCxnSpPr>
+        <p:spPr>
+          <a:xfrm flipV="1">
+            <a:off x="1370441" y="3723514"/>
+            <a:ext cx="5089735" cy="646330"/>
+          </a:xfrm>
+          <a:prstGeom prst="straightConnector1">
+            <a:avLst/>
+          </a:prstGeom>
+          <a:ln>
+            <a:tailEnd type="triangle"/>
+          </a:ln>
+        </p:spPr>
+        <p:style>
+          <a:lnRef idx="1">
+            <a:schemeClr val="accent1"/>
+          </a:lnRef>
+          <a:fillRef idx="0">
+            <a:schemeClr val="accent1"/>
+          </a:fillRef>
+          <a:effectRef idx="0">
+            <a:schemeClr val="accent1"/>
+          </a:effectRef>
+          <a:fontRef idx="minor">
+            <a:schemeClr val="tx1"/>
+          </a:fontRef>
+        </p:style>
+      </p:cxnSp>
+    </p:spTree>
+    <p:extLst>
+      <p:ext uri="{BB962C8B-B14F-4D97-AF65-F5344CB8AC3E}">
+        <p14:creationId xmlns:p14="http://schemas.microsoft.com/office/powerpoint/2010/main" val="3425552847"/>
+      </p:ext>
+    </p:extLst>
+  </p:cSld>
+  <p:clrMapOvr>
+    <a:masterClrMapping/>
+  </p:clrMapOvr>
+</p:sld>
+</file>
+
+<file path=ppt/slides/slide9.xml><?xml version="1.0" encoding="utf-8"?>
+<p:sld xmlns:a="http://schemas.openxmlformats.org/drawingml/2006/main" xmlns:r="http://schemas.openxmlformats.org/officeDocument/2006/relationships" xmlns:p="http://schemas.openxmlformats.org/presentationml/2006/main">
+  <p:cSld>
+    <p:spTree>
+      <p:nvGrpSpPr>
+        <p:cNvPr id="1" name=""/>
+        <p:cNvGrpSpPr/>
+        <p:nvPr/>
+      </p:nvGrpSpPr>
+      <p:grpSpPr>
+        <a:xfrm>
+          <a:off x="0" y="0"/>
+          <a:ext cx="0" cy="0"/>
+          <a:chOff x="0" y="0"/>
+          <a:chExt cx="0" cy="0"/>
+        </a:xfrm>
+      </p:grpSpPr>
+      <p:cxnSp>
+        <p:nvCxnSpPr>
+          <p:cNvPr id="5" name="Gerader Verbinder 4"/>
+          <p:cNvCxnSpPr/>
+          <p:nvPr/>
+        </p:nvCxnSpPr>
+        <p:spPr>
+          <a:xfrm>
+            <a:off x="2648197" y="380010"/>
+            <a:ext cx="59377" cy="6258296"/>
+          </a:xfrm>
+          <a:prstGeom prst="line">
+            <a:avLst/>
+          </a:prstGeom>
+        </p:spPr>
+        <p:style>
+          <a:lnRef idx="1">
+            <a:schemeClr val="accent1"/>
+          </a:lnRef>
+          <a:fillRef idx="0">
+            <a:schemeClr val="accent1"/>
+          </a:fillRef>
+          <a:effectRef idx="0">
+            <a:schemeClr val="accent1"/>
+          </a:effectRef>
+          <a:fontRef idx="minor">
+            <a:schemeClr val="tx1"/>
+          </a:fontRef>
+        </p:style>
+      </p:cxnSp>
+      <p:sp>
+        <p:nvSpPr>
+          <p:cNvPr id="6" name="Textfeld 5"/>
+          <p:cNvSpPr txBox="1"/>
+          <p:nvPr/>
+        </p:nvSpPr>
+        <p:spPr>
+          <a:xfrm>
+            <a:off x="8098971" y="380010"/>
+            <a:ext cx="3812454" cy="4247317"/>
+          </a:xfrm>
+          <a:prstGeom prst="rect">
+            <a:avLst/>
+          </a:prstGeom>
+          <a:noFill/>
+        </p:spPr>
+        <p:txBody>
+          <a:bodyPr wrap="none" rtlCol="0">
+            <a:spAutoFit/>
+          </a:bodyPr>
+          <a:lstStyle/>
+          <a:p>
+            <a:r>
+              <a:rPr lang="sv-SE" smtClean="0"/>
+              <a:t>char[][] room;</a:t>
+            </a:r>
+          </a:p>
+          <a:p>
+            <a:endParaRPr lang="sv-SE"/>
+          </a:p>
+          <a:p>
+            <a:r>
+              <a:rPr lang="sv-SE" smtClean="0"/>
+              <a:t>char</a:t>
+            </a:r>
+            <a:r>
+              <a:rPr lang="sv-SE"/>
+              <a:t>[] tom = { 't', 'o', 'm' };</a:t>
+            </a:r>
+          </a:p>
+          <a:p>
+            <a:endParaRPr lang="de-DE"/>
+          </a:p>
+          <a:p>
+            <a:r>
+              <a:rPr lang="de-DE"/>
+              <a:t>char[] paul = { 'p', 'a', 'u', 'l</a:t>
+            </a:r>
+            <a:r>
+              <a:rPr lang="de-DE"/>
+              <a:t>' </a:t>
+            </a:r>
+            <a:r>
+              <a:rPr lang="de-DE" smtClean="0"/>
+              <a:t>};</a:t>
+            </a:r>
+          </a:p>
+          <a:p>
+            <a:endParaRPr lang="de-DE"/>
+          </a:p>
+          <a:p>
+            <a:r>
+              <a:rPr lang="en-US" b="1"/>
+              <a:t>room = new char[][] { tom, null, </a:t>
+            </a:r>
+            <a:r>
+              <a:rPr lang="en-US" b="1"/>
+              <a:t>null </a:t>
+            </a:r>
+            <a:r>
+              <a:rPr lang="en-US" b="1" smtClean="0"/>
+              <a:t>};</a:t>
+            </a:r>
+          </a:p>
+          <a:p>
+            <a:endParaRPr lang="en-US"/>
+          </a:p>
+          <a:p>
+            <a:r>
+              <a:rPr lang="de-DE"/>
+              <a:t>room[1] = paul;</a:t>
+            </a:r>
+          </a:p>
+          <a:p>
+            <a:r>
+              <a:rPr lang="de-DE"/>
+              <a:t>room[2] = </a:t>
+            </a:r>
+            <a:r>
+              <a:rPr lang="de-DE"/>
+              <a:t>tom</a:t>
+            </a:r>
+            <a:r>
+              <a:rPr lang="de-DE" smtClean="0"/>
+              <a:t>;</a:t>
+            </a:r>
+          </a:p>
+          <a:p>
+            <a:endParaRPr lang="de-DE"/>
+          </a:p>
+          <a:p>
+            <a:r>
+              <a:rPr lang="de-DE"/>
+              <a:t>room[0][2] = </a:t>
+            </a:r>
+            <a:r>
+              <a:rPr lang="de-DE"/>
+              <a:t>'R</a:t>
+            </a:r>
+            <a:r>
+              <a:rPr lang="de-DE" smtClean="0"/>
+              <a:t>';</a:t>
+            </a:r>
+          </a:p>
+          <a:p>
+            <a:endParaRPr lang="de-DE"/>
+          </a:p>
+          <a:p>
+            <a:r>
+              <a:rPr lang="de-DE"/>
+              <a:t>System.out.println(room[2][2]);</a:t>
+            </a:r>
+            <a:endParaRPr lang="de-DE"/>
+          </a:p>
+          <a:p>
+            <a:endParaRPr lang="de-DE"/>
+          </a:p>
+        </p:txBody>
+      </p:sp>
+      <p:sp>
+        <p:nvSpPr>
+          <p:cNvPr id="7" name="Textfeld 6"/>
+          <p:cNvSpPr txBox="1"/>
+          <p:nvPr/>
+        </p:nvSpPr>
+        <p:spPr>
+          <a:xfrm>
+            <a:off x="795647" y="5314807"/>
+            <a:ext cx="565539" cy="369332"/>
+          </a:xfrm>
+          <a:prstGeom prst="rect">
+            <a:avLst/>
+          </a:prstGeom>
+          <a:noFill/>
+        </p:spPr>
+        <p:txBody>
+          <a:bodyPr wrap="none" rtlCol="0">
+            <a:spAutoFit/>
+          </a:bodyPr>
+          <a:lstStyle/>
+          <a:p>
+            <a:r>
+              <a:rPr lang="de-DE" smtClean="0"/>
+              <a:t>tom</a:t>
+            </a:r>
+            <a:endParaRPr lang="de-DE"/>
+          </a:p>
+        </p:txBody>
+      </p:sp>
+      <p:sp>
+        <p:nvSpPr>
+          <p:cNvPr id="8" name="Rechteck 7"/>
+          <p:cNvSpPr/>
+          <p:nvPr/>
+        </p:nvSpPr>
+        <p:spPr>
+          <a:xfrm>
+            <a:off x="6662056" y="5368844"/>
+            <a:ext cx="807522" cy="1009403"/>
+          </a:xfrm>
+          <a:prstGeom prst="rect">
+            <a:avLst/>
+          </a:prstGeom>
+        </p:spPr>
+        <p:style>
+          <a:lnRef idx="2">
+            <a:schemeClr val="accent1">
+              <a:shade val="50000"/>
+            </a:schemeClr>
+          </a:lnRef>
+          <a:fillRef idx="1">
+            <a:schemeClr val="accent1"/>
+          </a:fillRef>
+          <a:effectRef idx="0">
+            <a:schemeClr val="accent1"/>
+          </a:effectRef>
+          <a:fontRef idx="minor">
+            <a:schemeClr val="lt1"/>
+          </a:fontRef>
+        </p:style>
+        <p:txBody>
+          <a:bodyPr rtlCol="0" anchor="ctr"/>
+          <a:lstStyle/>
+          <a:p>
+            <a:pPr algn="ctr"/>
+            <a:endParaRPr lang="de-DE"/>
+          </a:p>
+        </p:txBody>
+      </p:sp>
+      <p:sp>
+        <p:nvSpPr>
+          <p:cNvPr id="9" name="Rechteck 8"/>
+          <p:cNvSpPr/>
+          <p:nvPr/>
+        </p:nvSpPr>
+        <p:spPr>
+          <a:xfrm>
+            <a:off x="6768934" y="5499473"/>
+            <a:ext cx="641267" cy="249381"/>
+          </a:xfrm>
+          <a:prstGeom prst="rect">
+            <a:avLst/>
+          </a:prstGeom>
+        </p:spPr>
+        <p:style>
+          <a:lnRef idx="2">
+            <a:schemeClr val="accent1">
+              <a:shade val="50000"/>
+            </a:schemeClr>
+          </a:lnRef>
+          <a:fillRef idx="1">
+            <a:schemeClr val="accent1"/>
+          </a:fillRef>
+          <a:effectRef idx="0">
+            <a:schemeClr val="accent1"/>
+          </a:effectRef>
+          <a:fontRef idx="minor">
+            <a:schemeClr val="lt1"/>
+          </a:fontRef>
+        </p:style>
+        <p:txBody>
+          <a:bodyPr rtlCol="0" anchor="ctr"/>
+          <a:lstStyle/>
+          <a:p>
+            <a:pPr algn="ctr"/>
+            <a:r>
+              <a:rPr lang="de-DE" smtClean="0"/>
+              <a:t>t</a:t>
+            </a:r>
+            <a:endParaRPr lang="de-DE"/>
+          </a:p>
+        </p:txBody>
+      </p:sp>
+      <p:sp>
+        <p:nvSpPr>
+          <p:cNvPr id="10" name="Rechteck 9"/>
+          <p:cNvSpPr/>
+          <p:nvPr/>
+        </p:nvSpPr>
+        <p:spPr>
+          <a:xfrm>
+            <a:off x="6768933" y="5758061"/>
+            <a:ext cx="641267" cy="249381"/>
+          </a:xfrm>
+          <a:prstGeom prst="rect">
+            <a:avLst/>
+          </a:prstGeom>
+        </p:spPr>
+        <p:style>
+          <a:lnRef idx="2">
+            <a:schemeClr val="accent1">
+              <a:shade val="50000"/>
+            </a:schemeClr>
+          </a:lnRef>
+          <a:fillRef idx="1">
+            <a:schemeClr val="accent1"/>
+          </a:fillRef>
+          <a:effectRef idx="0">
+            <a:schemeClr val="accent1"/>
+          </a:effectRef>
+          <a:fontRef idx="minor">
+            <a:schemeClr val="lt1"/>
+          </a:fontRef>
+        </p:style>
+        <p:txBody>
+          <a:bodyPr rtlCol="0" anchor="ctr"/>
+          <a:lstStyle/>
+          <a:p>
+            <a:pPr algn="ctr"/>
+            <a:r>
+              <a:rPr lang="de-DE"/>
+              <a:t>o</a:t>
+            </a:r>
+          </a:p>
+        </p:txBody>
+      </p:sp>
+      <p:sp>
+        <p:nvSpPr>
+          <p:cNvPr id="11" name="Rechteck 10"/>
+          <p:cNvSpPr/>
+          <p:nvPr/>
+        </p:nvSpPr>
+        <p:spPr>
+          <a:xfrm>
+            <a:off x="6762998" y="5969147"/>
+            <a:ext cx="641267" cy="249381"/>
+          </a:xfrm>
+          <a:prstGeom prst="rect">
+            <a:avLst/>
+          </a:prstGeom>
+        </p:spPr>
+        <p:style>
+          <a:lnRef idx="2">
+            <a:schemeClr val="accent1">
+              <a:shade val="50000"/>
+            </a:schemeClr>
+          </a:lnRef>
+          <a:fillRef idx="1">
+            <a:schemeClr val="accent1"/>
+          </a:fillRef>
+          <a:effectRef idx="0">
+            <a:schemeClr val="accent1"/>
+          </a:effectRef>
+          <a:fontRef idx="minor">
+            <a:schemeClr val="lt1"/>
+          </a:fontRef>
+        </p:style>
+        <p:txBody>
+          <a:bodyPr rtlCol="0" anchor="ctr"/>
+          <a:lstStyle/>
+          <a:p>
+            <a:pPr algn="ctr"/>
+            <a:r>
+              <a:rPr lang="de-DE" smtClean="0"/>
+              <a:t>m</a:t>
+            </a:r>
+            <a:endParaRPr lang="de-DE"/>
+          </a:p>
+        </p:txBody>
+      </p:sp>
+      <p:sp>
+        <p:nvSpPr>
+          <p:cNvPr id="12" name="Textfeld 11"/>
+          <p:cNvSpPr txBox="1"/>
+          <p:nvPr/>
+        </p:nvSpPr>
+        <p:spPr>
+          <a:xfrm>
+            <a:off x="7469578" y="5095712"/>
+            <a:ext cx="736099" cy="369332"/>
+          </a:xfrm>
+          <a:prstGeom prst="rect">
+            <a:avLst/>
+          </a:prstGeom>
+          <a:noFill/>
+        </p:spPr>
+        <p:txBody>
+          <a:bodyPr wrap="none" rtlCol="0">
+            <a:spAutoFit/>
+          </a:bodyPr>
+          <a:lstStyle/>
+          <a:p>
+            <a:r>
+              <a:rPr lang="de-DE" smtClean="0"/>
+              <a:t>char[]</a:t>
+            </a:r>
+            <a:endParaRPr lang="de-DE"/>
+          </a:p>
+        </p:txBody>
+      </p:sp>
+      <p:sp>
+        <p:nvSpPr>
+          <p:cNvPr id="13" name="Textfeld 12"/>
+          <p:cNvSpPr txBox="1"/>
+          <p:nvPr/>
+        </p:nvSpPr>
+        <p:spPr>
+          <a:xfrm>
+            <a:off x="795647" y="6175169"/>
+            <a:ext cx="689099" cy="369332"/>
+          </a:xfrm>
+          <a:prstGeom prst="rect">
+            <a:avLst/>
+          </a:prstGeom>
+          <a:noFill/>
+        </p:spPr>
+        <p:txBody>
+          <a:bodyPr wrap="none" rtlCol="0">
+            <a:spAutoFit/>
+          </a:bodyPr>
+          <a:lstStyle/>
+          <a:p>
+            <a:r>
+              <a:rPr lang="de-DE" smtClean="0"/>
+              <a:t>room</a:t>
+            </a:r>
+            <a:endParaRPr lang="de-DE"/>
+          </a:p>
+        </p:txBody>
+      </p:sp>
+      <p:cxnSp>
+        <p:nvCxnSpPr>
+          <p:cNvPr id="15" name="Gerade Verbindung mit Pfeil 14"/>
+          <p:cNvCxnSpPr>
+            <a:stCxn id="7" idx="3"/>
+            <a:endCxn id="8" idx="1"/>
+          </p:cNvCxnSpPr>
+          <p:nvPr/>
+        </p:nvCxnSpPr>
+        <p:spPr>
+          <a:xfrm>
+            <a:off x="1361186" y="5499473"/>
+            <a:ext cx="5300870" cy="374073"/>
+          </a:xfrm>
+          <a:prstGeom prst="straightConnector1">
+            <a:avLst/>
+          </a:prstGeom>
+          <a:ln>
+            <a:tailEnd type="triangle"/>
+          </a:ln>
+        </p:spPr>
+        <p:style>
+          <a:lnRef idx="1">
+            <a:schemeClr val="accent1"/>
+          </a:lnRef>
+          <a:fillRef idx="0">
+            <a:schemeClr val="accent1"/>
+          </a:fillRef>
+          <a:effectRef idx="0">
+            <a:schemeClr val="accent1"/>
+          </a:effectRef>
+          <a:fontRef idx="minor">
+            <a:schemeClr val="tx1"/>
+          </a:fontRef>
+        </p:style>
+      </p:cxnSp>
+      <p:sp>
+        <p:nvSpPr>
+          <p:cNvPr id="17" name="Rechteck 16"/>
+          <p:cNvSpPr/>
+          <p:nvPr/>
+        </p:nvSpPr>
+        <p:spPr>
+          <a:xfrm>
+            <a:off x="6460176" y="3112533"/>
+            <a:ext cx="807522" cy="1221961"/>
+          </a:xfrm>
+          <a:prstGeom prst="rect">
+            <a:avLst/>
+          </a:prstGeom>
+        </p:spPr>
+        <p:style>
+          <a:lnRef idx="2">
+            <a:schemeClr val="accent1">
+              <a:shade val="50000"/>
+            </a:schemeClr>
+          </a:lnRef>
+          <a:fillRef idx="1">
+            <a:schemeClr val="accent1"/>
+          </a:fillRef>
+          <a:effectRef idx="0">
+            <a:schemeClr val="accent1"/>
+          </a:effectRef>
+          <a:fontRef idx="minor">
+            <a:schemeClr val="lt1"/>
+          </a:fontRef>
+        </p:style>
+        <p:txBody>
+          <a:bodyPr rtlCol="0" anchor="ctr"/>
+          <a:lstStyle/>
+          <a:p>
+            <a:pPr algn="ctr"/>
+            <a:endParaRPr lang="de-DE"/>
+          </a:p>
+        </p:txBody>
+      </p:sp>
+      <p:sp>
+        <p:nvSpPr>
+          <p:cNvPr id="18" name="Rechteck 17"/>
+          <p:cNvSpPr/>
+          <p:nvPr/>
+        </p:nvSpPr>
+        <p:spPr>
+          <a:xfrm>
+            <a:off x="6567054" y="3243162"/>
+            <a:ext cx="641267" cy="249381"/>
+          </a:xfrm>
+          <a:prstGeom prst="rect">
+            <a:avLst/>
+          </a:prstGeom>
+        </p:spPr>
+        <p:style>
+          <a:lnRef idx="2">
+            <a:schemeClr val="accent1">
+              <a:shade val="50000"/>
+            </a:schemeClr>
+          </a:lnRef>
+          <a:fillRef idx="1">
+            <a:schemeClr val="accent1"/>
+          </a:fillRef>
+          <a:effectRef idx="0">
+            <a:schemeClr val="accent1"/>
+          </a:effectRef>
+          <a:fontRef idx="minor">
+            <a:schemeClr val="lt1"/>
+          </a:fontRef>
+        </p:style>
+        <p:txBody>
+          <a:bodyPr rtlCol="0" anchor="ctr"/>
+          <a:lstStyle/>
+          <a:p>
+            <a:pPr algn="ctr"/>
+            <a:r>
+              <a:rPr lang="de-DE" smtClean="0"/>
+              <a:t>p</a:t>
+            </a:r>
+            <a:endParaRPr lang="de-DE"/>
+          </a:p>
+        </p:txBody>
+      </p:sp>
+      <p:sp>
+        <p:nvSpPr>
+          <p:cNvPr id="19" name="Rechteck 18"/>
+          <p:cNvSpPr/>
+          <p:nvPr/>
+        </p:nvSpPr>
+        <p:spPr>
+          <a:xfrm>
+            <a:off x="6567053" y="3501750"/>
+            <a:ext cx="641267" cy="249381"/>
+          </a:xfrm>
+          <a:prstGeom prst="rect">
+            <a:avLst/>
+          </a:prstGeom>
+        </p:spPr>
+        <p:style>
+          <a:lnRef idx="2">
+            <a:schemeClr val="accent1">
+              <a:shade val="50000"/>
+            </a:schemeClr>
+          </a:lnRef>
+          <a:fillRef idx="1">
+            <a:schemeClr val="accent1"/>
+          </a:fillRef>
+          <a:effectRef idx="0">
+            <a:schemeClr val="accent1"/>
+          </a:effectRef>
+          <a:fontRef idx="minor">
+            <a:schemeClr val="lt1"/>
+          </a:fontRef>
+        </p:style>
+        <p:txBody>
+          <a:bodyPr rtlCol="0" anchor="ctr"/>
+          <a:lstStyle/>
+          <a:p>
+            <a:pPr algn="ctr"/>
+            <a:r>
+              <a:rPr lang="de-DE" smtClean="0"/>
+              <a:t>a</a:t>
+            </a:r>
+            <a:endParaRPr lang="de-DE"/>
+          </a:p>
+        </p:txBody>
+      </p:sp>
+      <p:sp>
+        <p:nvSpPr>
+          <p:cNvPr id="20" name="Rechteck 19"/>
+          <p:cNvSpPr/>
+          <p:nvPr/>
+        </p:nvSpPr>
+        <p:spPr>
+          <a:xfrm>
+            <a:off x="6561118" y="3712836"/>
+            <a:ext cx="641267" cy="249381"/>
+          </a:xfrm>
+          <a:prstGeom prst="rect">
+            <a:avLst/>
+          </a:prstGeom>
+        </p:spPr>
+        <p:style>
+          <a:lnRef idx="2">
+            <a:schemeClr val="accent1">
+              <a:shade val="50000"/>
+            </a:schemeClr>
+          </a:lnRef>
+          <a:fillRef idx="1">
+            <a:schemeClr val="accent1"/>
+          </a:fillRef>
+          <a:effectRef idx="0">
+            <a:schemeClr val="accent1"/>
+          </a:effectRef>
+          <a:fontRef idx="minor">
+            <a:schemeClr val="lt1"/>
+          </a:fontRef>
+        </p:style>
+        <p:txBody>
+          <a:bodyPr rtlCol="0" anchor="ctr"/>
+          <a:lstStyle/>
+          <a:p>
+            <a:pPr algn="ctr"/>
+            <a:r>
+              <a:rPr lang="de-DE"/>
+              <a:t>u</a:t>
+            </a:r>
+          </a:p>
+        </p:txBody>
+      </p:sp>
+      <p:sp>
+        <p:nvSpPr>
+          <p:cNvPr id="21" name="Textfeld 20"/>
+          <p:cNvSpPr txBox="1"/>
+          <p:nvPr/>
+        </p:nvSpPr>
+        <p:spPr>
+          <a:xfrm>
+            <a:off x="7267698" y="2839401"/>
+            <a:ext cx="736099" cy="369332"/>
+          </a:xfrm>
+          <a:prstGeom prst="rect">
+            <a:avLst/>
+          </a:prstGeom>
+          <a:noFill/>
+        </p:spPr>
+        <p:txBody>
+          <a:bodyPr wrap="none" rtlCol="0">
+            <a:spAutoFit/>
+          </a:bodyPr>
+          <a:lstStyle/>
+          <a:p>
+            <a:r>
+              <a:rPr lang="de-DE" smtClean="0"/>
+              <a:t>char[]</a:t>
+            </a:r>
+            <a:endParaRPr lang="de-DE"/>
+          </a:p>
+        </p:txBody>
+      </p:sp>
+      <p:sp>
+        <p:nvSpPr>
+          <p:cNvPr id="22" name="Rechteck 21"/>
+          <p:cNvSpPr/>
+          <p:nvPr/>
+        </p:nvSpPr>
+        <p:spPr>
+          <a:xfrm>
+            <a:off x="6561118" y="3935797"/>
+            <a:ext cx="641267" cy="249381"/>
+          </a:xfrm>
+          <a:prstGeom prst="rect">
+            <a:avLst/>
+          </a:prstGeom>
+        </p:spPr>
+        <p:style>
+          <a:lnRef idx="2">
+            <a:schemeClr val="accent1">
+              <a:shade val="50000"/>
+            </a:schemeClr>
+          </a:lnRef>
+          <a:fillRef idx="1">
+            <a:schemeClr val="accent1"/>
+          </a:fillRef>
+          <a:effectRef idx="0">
+            <a:schemeClr val="accent1"/>
+          </a:effectRef>
+          <a:fontRef idx="minor">
+            <a:schemeClr val="lt1"/>
+          </a:fontRef>
+        </p:style>
+        <p:txBody>
+          <a:bodyPr rtlCol="0" anchor="ctr"/>
+          <a:lstStyle/>
+          <a:p>
+            <a:pPr algn="ctr"/>
+            <a:r>
+              <a:rPr lang="de-DE"/>
+              <a:t>l</a:t>
+            </a:r>
+          </a:p>
+        </p:txBody>
+      </p:sp>
+      <p:sp>
+        <p:nvSpPr>
+          <p:cNvPr id="24" name="Textfeld 23"/>
+          <p:cNvSpPr txBox="1"/>
+          <p:nvPr/>
+        </p:nvSpPr>
+        <p:spPr>
+          <a:xfrm>
+            <a:off x="778612" y="4185178"/>
+            <a:ext cx="591829" cy="369332"/>
+          </a:xfrm>
+          <a:prstGeom prst="rect">
+            <a:avLst/>
+          </a:prstGeom>
+          <a:noFill/>
+        </p:spPr>
+        <p:txBody>
+          <a:bodyPr wrap="none" rtlCol="0">
+            <a:spAutoFit/>
+          </a:bodyPr>
+          <a:lstStyle/>
+          <a:p>
+            <a:r>
+              <a:rPr lang="de-DE" smtClean="0"/>
+              <a:t>paul</a:t>
+            </a:r>
+            <a:endParaRPr lang="de-DE"/>
+          </a:p>
+        </p:txBody>
+      </p:sp>
+      <p:cxnSp>
+        <p:nvCxnSpPr>
+          <p:cNvPr id="25" name="Gerade Verbindung mit Pfeil 24"/>
+          <p:cNvCxnSpPr>
+            <a:stCxn id="24" idx="3"/>
+            <a:endCxn id="17" idx="1"/>
+          </p:cNvCxnSpPr>
+          <p:nvPr/>
+        </p:nvCxnSpPr>
+        <p:spPr>
+          <a:xfrm flipV="1">
+            <a:off x="1370441" y="3723514"/>
+            <a:ext cx="5089735" cy="646330"/>
+          </a:xfrm>
+          <a:prstGeom prst="straightConnector1">
+            <a:avLst/>
+          </a:prstGeom>
+          <a:ln>
+            <a:tailEnd type="triangle"/>
+          </a:ln>
+        </p:spPr>
+        <p:style>
+          <a:lnRef idx="1">
+            <a:schemeClr val="accent1"/>
+          </a:lnRef>
+          <a:fillRef idx="0">
+            <a:schemeClr val="accent1"/>
+          </a:fillRef>
+          <a:effectRef idx="0">
+            <a:schemeClr val="accent1"/>
+          </a:effectRef>
+          <a:fontRef idx="minor">
+            <a:schemeClr val="tx1"/>
+          </a:fontRef>
+        </p:style>
+      </p:cxnSp>
+      <p:sp>
+        <p:nvSpPr>
+          <p:cNvPr id="23" name="Rechteck 22"/>
+          <p:cNvSpPr/>
+          <p:nvPr/>
+        </p:nvSpPr>
+        <p:spPr>
+          <a:xfrm>
+            <a:off x="3467681" y="4403674"/>
+            <a:ext cx="807522" cy="1009403"/>
+          </a:xfrm>
+          <a:prstGeom prst="rect">
+            <a:avLst/>
+          </a:prstGeom>
+        </p:spPr>
+        <p:style>
+          <a:lnRef idx="2">
+            <a:schemeClr val="accent1">
+              <a:shade val="50000"/>
+            </a:schemeClr>
+          </a:lnRef>
+          <a:fillRef idx="1">
+            <a:schemeClr val="accent1"/>
+          </a:fillRef>
+          <a:effectRef idx="0">
+            <a:schemeClr val="accent1"/>
+          </a:effectRef>
+          <a:fontRef idx="minor">
+            <a:schemeClr val="lt1"/>
+          </a:fontRef>
+        </p:style>
+        <p:txBody>
+          <a:bodyPr rtlCol="0" anchor="ctr"/>
+          <a:lstStyle/>
+          <a:p>
+            <a:pPr algn="ctr"/>
+            <a:endParaRPr lang="de-DE"/>
+          </a:p>
+        </p:txBody>
+      </p:sp>
+      <p:sp>
+        <p:nvSpPr>
+          <p:cNvPr id="26" name="Rechteck 25"/>
+          <p:cNvSpPr/>
+          <p:nvPr/>
+        </p:nvSpPr>
+        <p:spPr>
+          <a:xfrm>
+            <a:off x="3574559" y="4534303"/>
+            <a:ext cx="641267" cy="249381"/>
+          </a:xfrm>
+          <a:prstGeom prst="rect">
+            <a:avLst/>
+          </a:prstGeom>
+        </p:spPr>
+        <p:style>
+          <a:lnRef idx="2">
+            <a:schemeClr val="accent1">
+              <a:shade val="50000"/>
+            </a:schemeClr>
+          </a:lnRef>
+          <a:fillRef idx="1">
+            <a:schemeClr val="accent1"/>
+          </a:fillRef>
+          <a:effectRef idx="0">
+            <a:schemeClr val="accent1"/>
+          </a:effectRef>
+          <a:fontRef idx="minor">
+            <a:schemeClr val="lt1"/>
+          </a:fontRef>
+        </p:style>
+        <p:txBody>
+          <a:bodyPr rtlCol="0" anchor="ctr"/>
+          <a:lstStyle/>
+          <a:p>
+            <a:pPr algn="ctr"/>
+            <a:endParaRPr lang="de-DE"/>
+          </a:p>
+        </p:txBody>
+      </p:sp>
+      <p:sp>
+        <p:nvSpPr>
+          <p:cNvPr id="27" name="Rechteck 26"/>
+          <p:cNvSpPr/>
+          <p:nvPr/>
+        </p:nvSpPr>
+        <p:spPr>
+          <a:xfrm>
+            <a:off x="3574558" y="4792891"/>
+            <a:ext cx="641267" cy="249381"/>
+          </a:xfrm>
+          <a:prstGeom prst="rect">
+            <a:avLst/>
+          </a:prstGeom>
+        </p:spPr>
+        <p:style>
+          <a:lnRef idx="2">
+            <a:schemeClr val="accent1">
+              <a:shade val="50000"/>
+            </a:schemeClr>
+          </a:lnRef>
+          <a:fillRef idx="1">
+            <a:schemeClr val="accent1"/>
+          </a:fillRef>
+          <a:effectRef idx="0">
+            <a:schemeClr val="accent1"/>
+          </a:effectRef>
+          <a:fontRef idx="minor">
+            <a:schemeClr val="lt1"/>
+          </a:fontRef>
+        </p:style>
+        <p:txBody>
+          <a:bodyPr rtlCol="0" anchor="ctr"/>
+          <a:lstStyle/>
+          <a:p>
+            <a:pPr algn="ctr"/>
+            <a:r>
+              <a:rPr lang="de-DE" smtClean="0"/>
+              <a:t>null</a:t>
+            </a:r>
+            <a:endParaRPr lang="de-DE"/>
+          </a:p>
+        </p:txBody>
+      </p:sp>
+      <p:sp>
+        <p:nvSpPr>
+          <p:cNvPr id="28" name="Rechteck 27"/>
+          <p:cNvSpPr/>
+          <p:nvPr/>
+        </p:nvSpPr>
+        <p:spPr>
+          <a:xfrm>
+            <a:off x="3568623" y="5003977"/>
+            <a:ext cx="641267" cy="249381"/>
+          </a:xfrm>
+          <a:prstGeom prst="rect">
+            <a:avLst/>
+          </a:prstGeom>
+        </p:spPr>
+        <p:style>
+          <a:lnRef idx="2">
+            <a:schemeClr val="accent1">
+              <a:shade val="50000"/>
+            </a:schemeClr>
+          </a:lnRef>
+          <a:fillRef idx="1">
+            <a:schemeClr val="accent1"/>
+          </a:fillRef>
+          <a:effectRef idx="0">
+            <a:schemeClr val="accent1"/>
+          </a:effectRef>
+          <a:fontRef idx="minor">
+            <a:schemeClr val="lt1"/>
+          </a:fontRef>
+        </p:style>
+        <p:txBody>
+          <a:bodyPr rtlCol="0" anchor="ctr"/>
+          <a:lstStyle/>
+          <a:p>
+            <a:pPr algn="ctr"/>
+            <a:r>
+              <a:rPr lang="de-DE" smtClean="0"/>
+              <a:t>null</a:t>
+            </a:r>
+            <a:endParaRPr lang="de-DE"/>
+          </a:p>
+        </p:txBody>
+      </p:sp>
+      <p:sp>
+        <p:nvSpPr>
+          <p:cNvPr id="29" name="Textfeld 28"/>
+          <p:cNvSpPr txBox="1"/>
+          <p:nvPr/>
+        </p:nvSpPr>
+        <p:spPr>
+          <a:xfrm>
+            <a:off x="4275203" y="4130542"/>
+            <a:ext cx="877163" cy="369332"/>
+          </a:xfrm>
+          <a:prstGeom prst="rect">
+            <a:avLst/>
+          </a:prstGeom>
+          <a:noFill/>
+        </p:spPr>
+        <p:txBody>
+          <a:bodyPr wrap="none" rtlCol="0">
+            <a:spAutoFit/>
+          </a:bodyPr>
+          <a:lstStyle/>
+          <a:p>
+            <a:r>
+              <a:rPr lang="de-DE" smtClean="0"/>
+              <a:t>char[][]</a:t>
+            </a:r>
+            <a:endParaRPr lang="de-DE"/>
+          </a:p>
+        </p:txBody>
+      </p:sp>
+      <p:cxnSp>
+        <p:nvCxnSpPr>
+          <p:cNvPr id="30" name="Gerade Verbindung mit Pfeil 29"/>
+          <p:cNvCxnSpPr/>
+          <p:nvPr/>
+        </p:nvCxnSpPr>
+        <p:spPr>
+          <a:xfrm>
+            <a:off x="3835816" y="4653654"/>
+            <a:ext cx="2826240" cy="912767"/>
+          </a:xfrm>
+          <a:prstGeom prst="straightConnector1">
+            <a:avLst/>
+          </a:prstGeom>
+          <a:ln>
+            <a:solidFill>
+              <a:srgbClr val="FF0000"/>
+            </a:solidFill>
+            <a:tailEnd type="triangle"/>
+          </a:ln>
+        </p:spPr>
+        <p:style>
+          <a:lnRef idx="1">
+            <a:schemeClr val="accent1"/>
+          </a:lnRef>
+          <a:fillRef idx="0">
+            <a:schemeClr val="accent1"/>
+          </a:fillRef>
+          <a:effectRef idx="0">
+            <a:schemeClr val="accent1"/>
+          </a:effectRef>
+          <a:fontRef idx="minor">
+            <a:schemeClr val="tx1"/>
+          </a:fontRef>
+        </p:style>
+      </p:cxnSp>
+      <p:cxnSp>
+        <p:nvCxnSpPr>
+          <p:cNvPr id="16" name="Gerade Verbindung mit Pfeil 15"/>
+          <p:cNvCxnSpPr>
+            <a:stCxn id="13" idx="3"/>
+            <a:endCxn id="23" idx="1"/>
+          </p:cNvCxnSpPr>
+          <p:nvPr/>
+        </p:nvCxnSpPr>
+        <p:spPr>
+          <a:xfrm flipV="1">
+            <a:off x="1484746" y="4908376"/>
+            <a:ext cx="1982935" cy="1451459"/>
+          </a:xfrm>
+          <a:prstGeom prst="straightConnector1">
+            <a:avLst/>
+          </a:prstGeom>
+          <a:ln>
+            <a:tailEnd type="triangle"/>
+          </a:ln>
+        </p:spPr>
+        <p:style>
+          <a:lnRef idx="1">
+            <a:schemeClr val="accent1"/>
+          </a:lnRef>
+          <a:fillRef idx="0">
+            <a:schemeClr val="accent1"/>
+          </a:fillRef>
+          <a:effectRef idx="0">
+            <a:schemeClr val="accent1"/>
+          </a:effectRef>
+          <a:fontRef idx="minor">
+            <a:schemeClr val="tx1"/>
+          </a:fontRef>
+        </p:style>
+      </p:cxnSp>
+    </p:spTree>
+    <p:extLst>
+      <p:ext uri="{BB962C8B-B14F-4D97-AF65-F5344CB8AC3E}">
+        <p14:creationId xmlns:p14="http://schemas.microsoft.com/office/powerpoint/2010/main" val="522716096"/>
       </p:ext>
     </p:extLst>
   </p:cSld>

--- a/Diagramme/Arrays Mehrdim Extra.pptx
+++ b/Diagramme/Arrays Mehrdim Extra.pptx
@@ -254,7 +254,7 @@
           <a:p>
             <a:fld id="{1D841F59-72EC-4680-B091-BECFE8754CAE}" type="datetimeFigureOut">
               <a:rPr lang="de-DE" smtClean="0"/>
-              <a:t>30.09.2019</a:t>
+              <a:t>28.11.2019</a:t>
             </a:fld>
             <a:endParaRPr lang="de-DE"/>
           </a:p>
@@ -424,7 +424,7 @@
           <a:p>
             <a:fld id="{1D841F59-72EC-4680-B091-BECFE8754CAE}" type="datetimeFigureOut">
               <a:rPr lang="de-DE" smtClean="0"/>
-              <a:t>30.09.2019</a:t>
+              <a:t>28.11.2019</a:t>
             </a:fld>
             <a:endParaRPr lang="de-DE"/>
           </a:p>
@@ -604,7 +604,7 @@
           <a:p>
             <a:fld id="{1D841F59-72EC-4680-B091-BECFE8754CAE}" type="datetimeFigureOut">
               <a:rPr lang="de-DE" smtClean="0"/>
-              <a:t>30.09.2019</a:t>
+              <a:t>28.11.2019</a:t>
             </a:fld>
             <a:endParaRPr lang="de-DE"/>
           </a:p>
@@ -774,7 +774,7 @@
           <a:p>
             <a:fld id="{1D841F59-72EC-4680-B091-BECFE8754CAE}" type="datetimeFigureOut">
               <a:rPr lang="de-DE" smtClean="0"/>
-              <a:t>30.09.2019</a:t>
+              <a:t>28.11.2019</a:t>
             </a:fld>
             <a:endParaRPr lang="de-DE"/>
           </a:p>
@@ -1020,7 +1020,7 @@
           <a:p>
             <a:fld id="{1D841F59-72EC-4680-B091-BECFE8754CAE}" type="datetimeFigureOut">
               <a:rPr lang="de-DE" smtClean="0"/>
-              <a:t>30.09.2019</a:t>
+              <a:t>28.11.2019</a:t>
             </a:fld>
             <a:endParaRPr lang="de-DE"/>
           </a:p>
@@ -1252,7 +1252,7 @@
           <a:p>
             <a:fld id="{1D841F59-72EC-4680-B091-BECFE8754CAE}" type="datetimeFigureOut">
               <a:rPr lang="de-DE" smtClean="0"/>
-              <a:t>30.09.2019</a:t>
+              <a:t>28.11.2019</a:t>
             </a:fld>
             <a:endParaRPr lang="de-DE"/>
           </a:p>
@@ -1619,7 +1619,7 @@
           <a:p>
             <a:fld id="{1D841F59-72EC-4680-B091-BECFE8754CAE}" type="datetimeFigureOut">
               <a:rPr lang="de-DE" smtClean="0"/>
-              <a:t>30.09.2019</a:t>
+              <a:t>28.11.2019</a:t>
             </a:fld>
             <a:endParaRPr lang="de-DE"/>
           </a:p>
@@ -1737,7 +1737,7 @@
           <a:p>
             <a:fld id="{1D841F59-72EC-4680-B091-BECFE8754CAE}" type="datetimeFigureOut">
               <a:rPr lang="de-DE" smtClean="0"/>
-              <a:t>30.09.2019</a:t>
+              <a:t>28.11.2019</a:t>
             </a:fld>
             <a:endParaRPr lang="de-DE"/>
           </a:p>
@@ -1832,7 +1832,7 @@
           <a:p>
             <a:fld id="{1D841F59-72EC-4680-B091-BECFE8754CAE}" type="datetimeFigureOut">
               <a:rPr lang="de-DE" smtClean="0"/>
-              <a:t>30.09.2019</a:t>
+              <a:t>28.11.2019</a:t>
             </a:fld>
             <a:endParaRPr lang="de-DE"/>
           </a:p>
@@ -2109,7 +2109,7 @@
           <a:p>
             <a:fld id="{1D841F59-72EC-4680-B091-BECFE8754CAE}" type="datetimeFigureOut">
               <a:rPr lang="de-DE" smtClean="0"/>
-              <a:t>30.09.2019</a:t>
+              <a:t>28.11.2019</a:t>
             </a:fld>
             <a:endParaRPr lang="de-DE"/>
           </a:p>
@@ -2362,7 +2362,7 @@
           <a:p>
             <a:fld id="{1D841F59-72EC-4680-B091-BECFE8754CAE}" type="datetimeFigureOut">
               <a:rPr lang="de-DE" smtClean="0"/>
-              <a:t>30.09.2019</a:t>
+              <a:t>28.11.2019</a:t>
             </a:fld>
             <a:endParaRPr lang="de-DE"/>
           </a:p>
@@ -2575,7 +2575,7 @@
           <a:p>
             <a:fld id="{1D841F59-72EC-4680-B091-BECFE8754CAE}" type="datetimeFigureOut">
               <a:rPr lang="de-DE" smtClean="0"/>
-              <a:t>30.09.2019</a:t>
+              <a:t>28.11.2019</a:t>
             </a:fld>
             <a:endParaRPr lang="de-DE"/>
           </a:p>
@@ -3391,11 +3391,7 @@
           <a:p>
             <a:r>
               <a:rPr lang="de-DE"/>
-              <a:t>char[] paul = { 'p', 'a', 'u', 'l</a:t>
-            </a:r>
-            <a:r>
-              <a:rPr lang="de-DE"/>
-              <a:t>' </a:t>
+              <a:t>char[] paul = { 'p', 'a', 'u', 'l' </a:t>
             </a:r>
             <a:r>
               <a:rPr lang="de-DE" smtClean="0"/>
@@ -3408,11 +3404,7 @@
           <a:p>
             <a:r>
               <a:rPr lang="en-US"/>
-              <a:t>room = new char[][] { tom, null, </a:t>
-            </a:r>
-            <a:r>
-              <a:rPr lang="en-US"/>
-              <a:t>null </a:t>
+              <a:t>room = new char[][] { tom, null, null </a:t>
             </a:r>
             <a:r>
               <a:rPr lang="en-US" smtClean="0"/>
@@ -3431,28 +3423,20 @@
           <a:p>
             <a:r>
               <a:rPr lang="de-DE"/>
-              <a:t>room[2] = </a:t>
-            </a:r>
+              <a:t>room[2] = tom</a:t>
+            </a:r>
+            <a:r>
+              <a:rPr lang="de-DE" smtClean="0"/>
+              <a:t>;</a:t>
+            </a:r>
+          </a:p>
+          <a:p>
+            <a:endParaRPr lang="de-DE"/>
+          </a:p>
+          <a:p>
             <a:r>
               <a:rPr lang="de-DE"/>
-              <a:t>tom</a:t>
-            </a:r>
-            <a:r>
-              <a:rPr lang="de-DE" smtClean="0"/>
-              <a:t>;</a:t>
-            </a:r>
-          </a:p>
-          <a:p>
-            <a:endParaRPr lang="de-DE"/>
-          </a:p>
-          <a:p>
-            <a:r>
-              <a:rPr lang="de-DE"/>
-              <a:t>room[0][2] = </a:t>
-            </a:r>
-            <a:r>
-              <a:rPr lang="de-DE"/>
-              <a:t>'R</a:t>
+              <a:t>room[0][2] = 'R</a:t>
             </a:r>
             <a:r>
               <a:rPr lang="de-DE" smtClean="0"/>
@@ -3467,7 +3451,6 @@
               <a:rPr lang="de-DE"/>
               <a:t>System.out.println(room[2][2]);</a:t>
             </a:r>
-            <a:endParaRPr lang="de-DE"/>
           </a:p>
           <a:p>
             <a:endParaRPr lang="de-DE"/>
@@ -4489,11 +4472,7 @@
           <a:p>
             <a:r>
               <a:rPr lang="de-DE"/>
-              <a:t>char[] paul = { 'p', 'a', 'u', 'l</a:t>
-            </a:r>
-            <a:r>
-              <a:rPr lang="de-DE"/>
-              <a:t>' </a:t>
+              <a:t>char[] paul = { 'p', 'a', 'u', 'l' </a:t>
             </a:r>
             <a:r>
               <a:rPr lang="de-DE" smtClean="0"/>
@@ -4506,11 +4485,7 @@
           <a:p>
             <a:r>
               <a:rPr lang="en-US"/>
-              <a:t>room = new char[][] { tom, null, </a:t>
-            </a:r>
-            <a:r>
-              <a:rPr lang="en-US"/>
-              <a:t>null </a:t>
+              <a:t>room = new char[][] { tom, null, null </a:t>
             </a:r>
             <a:r>
               <a:rPr lang="en-US" smtClean="0"/>
@@ -4529,11 +4504,7 @@
           <a:p>
             <a:r>
               <a:rPr lang="de-DE" b="1"/>
-              <a:t>room[2] = </a:t>
-            </a:r>
-            <a:r>
-              <a:rPr lang="de-DE" b="1"/>
-              <a:t>tom</a:t>
+              <a:t>room[2] = tom</a:t>
             </a:r>
             <a:r>
               <a:rPr lang="de-DE" b="1" smtClean="0"/>
@@ -4546,11 +4517,7 @@
           <a:p>
             <a:r>
               <a:rPr lang="de-DE"/>
-              <a:t>room[0][2] = </a:t>
-            </a:r>
-            <a:r>
-              <a:rPr lang="de-DE"/>
-              <a:t>'R</a:t>
+              <a:t>room[0][2] = 'R</a:t>
             </a:r>
             <a:r>
               <a:rPr lang="de-DE" smtClean="0"/>
@@ -4565,7 +4532,6 @@
               <a:rPr lang="de-DE"/>
               <a:t>System.out.println(room[2][2]);</a:t>
             </a:r>
-            <a:endParaRPr lang="de-DE"/>
           </a:p>
           <a:p>
             <a:endParaRPr lang="de-DE"/>
@@ -5619,11 +5585,7 @@
           <a:p>
             <a:r>
               <a:rPr lang="de-DE"/>
-              <a:t>char[] paul = { 'p', 'a', 'u', 'l</a:t>
-            </a:r>
-            <a:r>
-              <a:rPr lang="de-DE"/>
-              <a:t>' </a:t>
+              <a:t>char[] paul = { 'p', 'a', 'u', 'l' </a:t>
             </a:r>
             <a:r>
               <a:rPr lang="de-DE" smtClean="0"/>
@@ -5636,11 +5598,7 @@
           <a:p>
             <a:r>
               <a:rPr lang="en-US"/>
-              <a:t>room = new char[][] { tom, null, </a:t>
-            </a:r>
-            <a:r>
-              <a:rPr lang="en-US"/>
-              <a:t>null </a:t>
+              <a:t>room = new char[][] { tom, null, null </a:t>
             </a:r>
             <a:r>
               <a:rPr lang="en-US" smtClean="0"/>
@@ -5659,11 +5617,7 @@
           <a:p>
             <a:r>
               <a:rPr lang="de-DE"/>
-              <a:t>room[2] = </a:t>
-            </a:r>
-            <a:r>
-              <a:rPr lang="de-DE"/>
-              <a:t>tom</a:t>
+              <a:t>room[2] = tom</a:t>
             </a:r>
             <a:r>
               <a:rPr lang="de-DE" smtClean="0"/>
@@ -5676,11 +5630,7 @@
           <a:p>
             <a:r>
               <a:rPr lang="de-DE" b="1"/>
-              <a:t>room[0][2] = </a:t>
-            </a:r>
-            <a:r>
-              <a:rPr lang="de-DE" b="1"/>
-              <a:t>'R</a:t>
+              <a:t>room[0][2] = 'R</a:t>
             </a:r>
             <a:r>
               <a:rPr lang="de-DE" b="1" smtClean="0"/>
@@ -5695,7 +5645,6 @@
               <a:rPr lang="de-DE"/>
               <a:t>System.out.println(room[2][2]);</a:t>
             </a:r>
-            <a:endParaRPr lang="de-DE"/>
           </a:p>
           <a:p>
             <a:endParaRPr lang="de-DE"/>
@@ -9430,10 +9379,10 @@
           <a:p>
             <a:pPr algn="ctr"/>
             <a:r>
-              <a:rPr lang="de-DE" smtClean="0"/>
+              <a:rPr lang="de-DE" dirty="0" smtClean="0"/>
               <a:t>null</a:t>
             </a:r>
-            <a:endParaRPr lang="de-DE"/>
+            <a:endParaRPr lang="de-DE" dirty="0"/>
           </a:p>
         </p:txBody>
       </p:sp>
@@ -9473,7 +9422,11 @@
           <a:lstStyle/>
           <a:p>
             <a:pPr algn="ctr"/>
-            <a:endParaRPr lang="de-DE"/>
+            <a:r>
+              <a:rPr lang="de-DE" dirty="0"/>
+              <a:t>null</a:t>
+            </a:r>
+            <a:endParaRPr lang="de-DE" dirty="0"/>
           </a:p>
         </p:txBody>
       </p:sp>
@@ -9513,6 +9466,10 @@
           <a:lstStyle/>
           <a:p>
             <a:pPr algn="ctr"/>
+            <a:r>
+              <a:rPr lang="de-DE"/>
+              <a:t>null</a:t>
+            </a:r>
             <a:endParaRPr lang="de-DE"/>
           </a:p>
         </p:txBody>
@@ -9597,6 +9554,10 @@
           <a:lstStyle/>
           <a:p>
             <a:pPr algn="ctr"/>
+            <a:r>
+              <a:rPr lang="de-DE"/>
+              <a:t>null</a:t>
+            </a:r>
             <a:endParaRPr lang="de-DE"/>
           </a:p>
         </p:txBody>
@@ -9805,11 +9766,7 @@
           <a:p>
             <a:r>
               <a:rPr lang="de-DE" b="1"/>
-              <a:t>char[] paul = { 'p', 'a', 'u', 'l</a:t>
-            </a:r>
-            <a:r>
-              <a:rPr lang="de-DE" b="1"/>
-              <a:t>' </a:t>
+              <a:t>char[] paul = { 'p', 'a', 'u', 'l' </a:t>
             </a:r>
             <a:r>
               <a:rPr lang="de-DE" b="1" smtClean="0"/>
@@ -9822,11 +9779,7 @@
           <a:p>
             <a:r>
               <a:rPr lang="en-US"/>
-              <a:t>room = new char[][] { tom, null, </a:t>
-            </a:r>
-            <a:r>
-              <a:rPr lang="en-US"/>
-              <a:t>null </a:t>
+              <a:t>room = new char[][] { tom, null, null </a:t>
             </a:r>
             <a:r>
               <a:rPr lang="en-US" smtClean="0"/>
@@ -9845,28 +9798,20 @@
           <a:p>
             <a:r>
               <a:rPr lang="de-DE"/>
-              <a:t>room[2] = </a:t>
-            </a:r>
+              <a:t>room[2] = tom</a:t>
+            </a:r>
+            <a:r>
+              <a:rPr lang="de-DE" smtClean="0"/>
+              <a:t>;</a:t>
+            </a:r>
+          </a:p>
+          <a:p>
+            <a:endParaRPr lang="de-DE"/>
+          </a:p>
+          <a:p>
             <a:r>
               <a:rPr lang="de-DE"/>
-              <a:t>tom</a:t>
-            </a:r>
-            <a:r>
-              <a:rPr lang="de-DE" smtClean="0"/>
-              <a:t>;</a:t>
-            </a:r>
-          </a:p>
-          <a:p>
-            <a:endParaRPr lang="de-DE"/>
-          </a:p>
-          <a:p>
-            <a:r>
-              <a:rPr lang="de-DE"/>
-              <a:t>room[0][2] = </a:t>
-            </a:r>
-            <a:r>
-              <a:rPr lang="de-DE"/>
-              <a:t>'R</a:t>
+              <a:t>room[0][2] = 'R</a:t>
             </a:r>
             <a:r>
               <a:rPr lang="de-DE" smtClean="0"/>
@@ -9881,7 +9826,6 @@
               <a:rPr lang="de-DE"/>
               <a:t>System.out.println(room[2][2]);</a:t>
             </a:r>
-            <a:endParaRPr lang="de-DE"/>
           </a:p>
           <a:p>
             <a:endParaRPr lang="de-DE"/>
@@ -10601,11 +10545,7 @@
           <a:p>
             <a:r>
               <a:rPr lang="de-DE"/>
-              <a:t>char[] paul = { 'p', 'a', 'u', 'l</a:t>
-            </a:r>
-            <a:r>
-              <a:rPr lang="de-DE"/>
-              <a:t>' </a:t>
+              <a:t>char[] paul = { 'p', 'a', 'u', 'l' </a:t>
             </a:r>
             <a:r>
               <a:rPr lang="de-DE" smtClean="0"/>
@@ -10618,11 +10558,7 @@
           <a:p>
             <a:r>
               <a:rPr lang="en-US" b="1"/>
-              <a:t>room = new char[][] { tom, null, </a:t>
-            </a:r>
-            <a:r>
-              <a:rPr lang="en-US" b="1"/>
-              <a:t>null </a:t>
+              <a:t>room = new char[][] { tom, null, null </a:t>
             </a:r>
             <a:r>
               <a:rPr lang="en-US" b="1" smtClean="0"/>
@@ -10641,28 +10577,20 @@
           <a:p>
             <a:r>
               <a:rPr lang="de-DE"/>
-              <a:t>room[2] = </a:t>
-            </a:r>
+              <a:t>room[2] = tom</a:t>
+            </a:r>
+            <a:r>
+              <a:rPr lang="de-DE" smtClean="0"/>
+              <a:t>;</a:t>
+            </a:r>
+          </a:p>
+          <a:p>
+            <a:endParaRPr lang="de-DE"/>
+          </a:p>
+          <a:p>
             <a:r>
               <a:rPr lang="de-DE"/>
-              <a:t>tom</a:t>
-            </a:r>
-            <a:r>
-              <a:rPr lang="de-DE" smtClean="0"/>
-              <a:t>;</a:t>
-            </a:r>
-          </a:p>
-          <a:p>
-            <a:endParaRPr lang="de-DE"/>
-          </a:p>
-          <a:p>
-            <a:r>
-              <a:rPr lang="de-DE"/>
-              <a:t>room[0][2] = </a:t>
-            </a:r>
-            <a:r>
-              <a:rPr lang="de-DE"/>
-              <a:t>'R</a:t>
+              <a:t>room[0][2] = 'R</a:t>
             </a:r>
             <a:r>
               <a:rPr lang="de-DE" smtClean="0"/>
@@ -10677,7 +10605,6 @@
               <a:rPr lang="de-DE"/>
               <a:t>System.out.println(room[2][2]);</a:t>
             </a:r>
-            <a:endParaRPr lang="de-DE"/>
           </a:p>
           <a:p>
             <a:endParaRPr lang="de-DE"/>
